--- a/create_description/機能解説作成_20260218.pptx
+++ b/create_description/機能解説作成_20260218.pptx
@@ -5,12 +5,14 @@
     <p:sldMasterId id="2147483660" r:id="rId1"/>
   </p:sldMasterIdLst>
   <p:notesMasterIdLst>
-    <p:notesMasterId r:id="rId5"/>
+    <p:notesMasterId r:id="rId7"/>
   </p:notesMasterIdLst>
   <p:sldIdLst>
-    <p:sldId id="854" r:id="rId2"/>
-    <p:sldId id="853" r:id="rId3"/>
-    <p:sldId id="856" r:id="rId4"/>
+    <p:sldId id="852" r:id="rId2"/>
+    <p:sldId id="857" r:id="rId3"/>
+    <p:sldId id="854" r:id="rId4"/>
+    <p:sldId id="853" r:id="rId5"/>
+    <p:sldId id="856" r:id="rId6"/>
   </p:sldIdLst>
   <p:sldSz cx="12192000" cy="6858000"/>
   <p:notesSz cx="6858000" cy="9144000"/>
@@ -572,38 +574,6 @@
           <a:bodyPr/>
           <a:lstStyle/>
           <a:p>
-            <a:r>
-              <a:rPr kumimoji="1" lang="ja-JP" altLang="en-US" dirty="0"/>
-              <a:t>・その他に</a:t>
-            </a:r>
-            <a:r>
-              <a:rPr kumimoji="1" lang="en-US" altLang="ja-JP" dirty="0"/>
-              <a:t>&lt;&lt;</a:t>
-            </a:r>
-            <a:r>
-              <a:rPr kumimoji="1" lang="ja-JP" altLang="en-US" dirty="0"/>
-              <a:t>レシピエディタ</a:t>
-            </a:r>
-            <a:r>
-              <a:rPr kumimoji="1" lang="en-US" altLang="ja-JP" dirty="0"/>
-              <a:t>&gt;&gt;</a:t>
-            </a:r>
-            <a:r>
-              <a:rPr kumimoji="1" lang="ja-JP" altLang="en-US" dirty="0"/>
-              <a:t>、</a:t>
-            </a:r>
-            <a:r>
-              <a:rPr kumimoji="1" lang="en-US" altLang="ja-JP" dirty="0"/>
-              <a:t>&lt;&lt;</a:t>
-            </a:r>
-            <a:r>
-              <a:rPr kumimoji="1" lang="ja-JP" altLang="en-US" dirty="0"/>
-              <a:t>ファイル仕様</a:t>
-            </a:r>
-            <a:r>
-              <a:rPr kumimoji="1" lang="en-US" altLang="ja-JP" dirty="0"/>
-              <a:t>&gt;&gt;</a:t>
-            </a:r>
             <a:endParaRPr kumimoji="1" lang="ja-JP" altLang="en-US" dirty="0"/>
           </a:p>
         </p:txBody>
@@ -623,18 +593,24 @@
           <a:bodyPr/>
           <a:lstStyle/>
           <a:p>
-            <a:fld id="{109B1083-304D-4F4D-9087-54487D8503B7}" type="slidenum">
-              <a:rPr kumimoji="1" lang="ja-JP" altLang="en-US" smtClean="0"/>
-              <a:t>2</a:t>
+            <a:pPr>
+              <a:defRPr/>
+            </a:pPr>
+            <a:fld id="{17065F11-802A-4ED6-8932-23B96EA9DCDA}" type="slidenum">
+              <a:rPr lang="ja-JP" altLang="en-US" smtClean="0"/>
+              <a:pPr>
+                <a:defRPr/>
+              </a:pPr>
+              <a:t>1</a:t>
             </a:fld>
-            <a:endParaRPr kumimoji="1" lang="ja-JP" altLang="en-US"/>
+            <a:endParaRPr lang="ja-JP" altLang="en-US"/>
           </a:p>
         </p:txBody>
       </p:sp>
     </p:spTree>
     <p:extLst>
       <p:ext uri="{BB962C8B-B14F-4D97-AF65-F5344CB8AC3E}">
-        <p14:creationId xmlns:p14="http://schemas.microsoft.com/office/powerpoint/2010/main" val="3848220856"/>
+        <p14:creationId xmlns:p14="http://schemas.microsoft.com/office/powerpoint/2010/main" val="1008975051"/>
       </p:ext>
     </p:extLst>
   </p:cSld>
@@ -690,11 +666,34 @@
           <a:p>
             <a:r>
               <a:rPr kumimoji="1" lang="ja-JP" altLang="en-US" dirty="0"/>
-              <a:t>調査範囲：</a:t>
+              <a:t>・調査範囲：</a:t>
             </a:r>
             <a:r>
               <a:rPr kumimoji="1" lang="en-US" altLang="ja-JP" dirty="0"/>
-              <a:t>EGA</a:t>
+              <a:t>LB </a:t>
+            </a:r>
+            <a:r>
+              <a:rPr kumimoji="1" lang="ja-JP" altLang="en-US" dirty="0"/>
+              <a:t>固有、アプリケーション仕様</a:t>
+            </a:r>
+            <a:endParaRPr kumimoji="1" lang="en-US" altLang="ja-JP" dirty="0"/>
+          </a:p>
+          <a:p>
+            <a:r>
+              <a:rPr kumimoji="1" lang="ja-JP" altLang="en-US" dirty="0"/>
+              <a:t>・その他に</a:t>
+            </a:r>
+            <a:r>
+              <a:rPr kumimoji="1" lang="en-US" altLang="ja-JP" dirty="0"/>
+              <a:t>&lt;&lt;</a:t>
+            </a:r>
+            <a:r>
+              <a:rPr kumimoji="1" lang="ja-JP" altLang="en-US" dirty="0"/>
+              <a:t>レシピエディタ</a:t>
+            </a:r>
+            <a:r>
+              <a:rPr kumimoji="1" lang="en-US" altLang="ja-JP" dirty="0"/>
+              <a:t>&gt;&gt;</a:t>
             </a:r>
             <a:r>
               <a:rPr kumimoji="1" lang="ja-JP" altLang="en-US" dirty="0"/>
@@ -702,20 +701,17 @@
             </a:r>
             <a:r>
               <a:rPr kumimoji="1" lang="en-US" altLang="ja-JP" dirty="0"/>
-              <a:t>C</a:t>
+              <a:t>&lt;&lt;</a:t>
             </a:r>
             <a:r>
               <a:rPr kumimoji="1" lang="ja-JP" altLang="en-US" dirty="0"/>
-              <a:t>型補正値ファイル生成機能、</a:t>
+              <a:t>ファイル仕様</a:t>
             </a:r>
             <a:r>
               <a:rPr kumimoji="1" lang="en-US" altLang="ja-JP" dirty="0"/>
-              <a:t>NSR</a:t>
-            </a:r>
-            <a:r>
-              <a:rPr kumimoji="1" lang="ja-JP" altLang="en-US" dirty="0"/>
-              <a:t>用補正値ファイル</a:t>
-            </a:r>
+              <a:t>&gt;&gt;</a:t>
+            </a:r>
+            <a:endParaRPr kumimoji="1" lang="ja-JP" altLang="en-US" dirty="0"/>
           </a:p>
         </p:txBody>
       </p:sp>
@@ -736,7 +732,118 @@
           <a:p>
             <a:fld id="{109B1083-304D-4F4D-9087-54487D8503B7}" type="slidenum">
               <a:rPr kumimoji="1" lang="ja-JP" altLang="en-US" smtClean="0"/>
-              <a:t>3</a:t>
+              <a:t>4</a:t>
+            </a:fld>
+            <a:endParaRPr kumimoji="1" lang="ja-JP" altLang="en-US"/>
+          </a:p>
+        </p:txBody>
+      </p:sp>
+    </p:spTree>
+    <p:extLst>
+      <p:ext uri="{BB962C8B-B14F-4D97-AF65-F5344CB8AC3E}">
+        <p14:creationId xmlns:p14="http://schemas.microsoft.com/office/powerpoint/2010/main" val="3848220856"/>
+      </p:ext>
+    </p:extLst>
+  </p:cSld>
+  <p:clrMapOvr>
+    <a:masterClrMapping/>
+  </p:clrMapOvr>
+</p:notes>
+</file>
+
+<file path=ppt/notesSlides/notesSlide3.xml><?xml version="1.0" encoding="utf-8"?>
+<p:notes xmlns:a="http://schemas.openxmlformats.org/drawingml/2006/main" xmlns:r="http://schemas.openxmlformats.org/officeDocument/2006/relationships" xmlns:p="http://schemas.openxmlformats.org/presentationml/2006/main">
+  <p:cSld>
+    <p:spTree>
+      <p:nvGrpSpPr>
+        <p:cNvPr id="1" name=""/>
+        <p:cNvGrpSpPr/>
+        <p:nvPr/>
+      </p:nvGrpSpPr>
+      <p:grpSpPr>
+        <a:xfrm>
+          <a:off x="0" y="0"/>
+          <a:ext cx="0" cy="0"/>
+          <a:chOff x="0" y="0"/>
+          <a:chExt cx="0" cy="0"/>
+        </a:xfrm>
+      </p:grpSpPr>
+      <p:sp>
+        <p:nvSpPr>
+          <p:cNvPr id="2" name="スライド イメージ プレースホルダー 1"/>
+          <p:cNvSpPr>
+            <a:spLocks noGrp="1" noRot="1" noChangeAspect="1"/>
+          </p:cNvSpPr>
+          <p:nvPr>
+            <p:ph type="sldImg"/>
+          </p:nvPr>
+        </p:nvSpPr>
+        <p:spPr/>
+      </p:sp>
+      <p:sp>
+        <p:nvSpPr>
+          <p:cNvPr id="3" name="ノート プレースホルダー 2"/>
+          <p:cNvSpPr>
+            <a:spLocks noGrp="1"/>
+          </p:cNvSpPr>
+          <p:nvPr>
+            <p:ph type="body" idx="1"/>
+          </p:nvPr>
+        </p:nvSpPr>
+        <p:spPr/>
+        <p:txBody>
+          <a:bodyPr/>
+          <a:lstStyle/>
+          <a:p>
+            <a:r>
+              <a:rPr kumimoji="1" lang="ja-JP" altLang="en-US" dirty="0"/>
+              <a:t>調査範囲：</a:t>
+            </a:r>
+            <a:r>
+              <a:rPr kumimoji="1" lang="en-US" altLang="ja-JP" dirty="0"/>
+              <a:t>EGA</a:t>
+            </a:r>
+            <a:r>
+              <a:rPr kumimoji="1" lang="ja-JP" altLang="en-US" dirty="0"/>
+              <a:t>、</a:t>
+            </a:r>
+            <a:r>
+              <a:rPr kumimoji="1" lang="en-US" altLang="ja-JP" dirty="0"/>
+              <a:t>C</a:t>
+            </a:r>
+            <a:r>
+              <a:rPr kumimoji="1" lang="ja-JP" altLang="en-US" dirty="0"/>
+              <a:t>型補正値ファイル生成機能、</a:t>
+            </a:r>
+            <a:r>
+              <a:rPr kumimoji="1" lang="en-US" altLang="ja-JP" dirty="0"/>
+              <a:t>NSR</a:t>
+            </a:r>
+            <a:r>
+              <a:rPr kumimoji="1" lang="ja-JP" altLang="en-US" dirty="0"/>
+              <a:t>用補正値ファイル</a:t>
+            </a:r>
+          </a:p>
+        </p:txBody>
+      </p:sp>
+      <p:sp>
+        <p:nvSpPr>
+          <p:cNvPr id="4" name="スライド番号プレースホルダー 3"/>
+          <p:cNvSpPr>
+            <a:spLocks noGrp="1"/>
+          </p:cNvSpPr>
+          <p:nvPr>
+            <p:ph type="sldNum" sz="quarter" idx="5"/>
+          </p:nvPr>
+        </p:nvSpPr>
+        <p:spPr/>
+        <p:txBody>
+          <a:bodyPr/>
+          <a:lstStyle/>
+          <a:p>
+            <a:fld id="{109B1083-304D-4F4D-9087-54487D8503B7}" type="slidenum">
+              <a:rPr kumimoji="1" lang="ja-JP" altLang="en-US" smtClean="0"/>
+              <a:t>5</a:t>
             </a:fld>
             <a:endParaRPr kumimoji="1" lang="ja-JP" altLang="en-US"/>
           </a:p>
@@ -10028,6 +10135,2495 @@
           <p:cNvPr id="2" name="タイトル 1">
             <a:extLst>
               <a:ext uri="{FF2B5EF4-FFF2-40B4-BE49-F238E27FC236}">
+                <a16:creationId xmlns:a16="http://schemas.microsoft.com/office/drawing/2014/main" id="{A3B76016-288A-4348-45CC-2FB6C97BD7C7}"/>
+              </a:ext>
+            </a:extLst>
+          </p:cNvPr>
+          <p:cNvSpPr>
+            <a:spLocks noGrp="1"/>
+          </p:cNvSpPr>
+          <p:nvPr>
+            <p:ph type="title"/>
+          </p:nvPr>
+        </p:nvSpPr>
+        <p:spPr/>
+        <p:txBody>
+          <a:bodyPr/>
+          <a:lstStyle/>
+          <a:p>
+            <a:r>
+              <a:rPr kumimoji="1" lang="ja-JP" altLang="en-US" dirty="0"/>
+              <a:t>現在の試行内容</a:t>
+            </a:r>
+          </a:p>
+        </p:txBody>
+      </p:sp>
+      <p:sp>
+        <p:nvSpPr>
+          <p:cNvPr id="3" name="コンテンツ プレースホルダー 2">
+            <a:extLst>
+              <a:ext uri="{FF2B5EF4-FFF2-40B4-BE49-F238E27FC236}">
+                <a16:creationId xmlns:a16="http://schemas.microsoft.com/office/drawing/2014/main" id="{59C900D5-E5A1-6770-B13A-F307A7DFE042}"/>
+              </a:ext>
+            </a:extLst>
+          </p:cNvPr>
+          <p:cNvSpPr>
+            <a:spLocks noGrp="1"/>
+          </p:cNvSpPr>
+          <p:nvPr>
+            <p:ph idx="1"/>
+          </p:nvPr>
+        </p:nvSpPr>
+        <p:spPr/>
+        <p:txBody>
+          <a:bodyPr>
+            <a:normAutofit/>
+          </a:bodyPr>
+          <a:lstStyle/>
+          <a:p>
+            <a:r>
+              <a:rPr lang="ja-JP" altLang="en-US" dirty="0">
+                <a:latin typeface="Yu Gothic UI" panose="020B0500000000000000" pitchFamily="50" charset="-128"/>
+                <a:ea typeface="Yu Gothic UI" panose="020B0500000000000000" pitchFamily="50" charset="-128"/>
+              </a:rPr>
+              <a:t>特定機能に対する解説・要約の生成について、下記のアプローチで試行</a:t>
+            </a:r>
+            <a:endParaRPr lang="en-US" altLang="ja-JP" dirty="0">
+              <a:latin typeface="Yu Gothic UI" panose="020B0500000000000000" pitchFamily="50" charset="-128"/>
+              <a:ea typeface="Yu Gothic UI" panose="020B0500000000000000" pitchFamily="50" charset="-128"/>
+            </a:endParaRPr>
+          </a:p>
+        </p:txBody>
+      </p:sp>
+      <p:grpSp>
+        <p:nvGrpSpPr>
+          <p:cNvPr id="10" name="グループ化 9">
+            <a:extLst>
+              <a:ext uri="{FF2B5EF4-FFF2-40B4-BE49-F238E27FC236}">
+                <a16:creationId xmlns:a16="http://schemas.microsoft.com/office/drawing/2014/main" id="{E6E7C532-507E-E08D-A25B-644C0C4DF940}"/>
+              </a:ext>
+            </a:extLst>
+          </p:cNvPr>
+          <p:cNvGrpSpPr/>
+          <p:nvPr/>
+        </p:nvGrpSpPr>
+        <p:grpSpPr>
+          <a:xfrm>
+            <a:off x="900929" y="2090601"/>
+            <a:ext cx="1886028" cy="1682615"/>
+            <a:chOff x="1" y="1318511"/>
+            <a:chExt cx="1037782" cy="1370665"/>
+          </a:xfrm>
+        </p:grpSpPr>
+        <p:sp>
+          <p:nvSpPr>
+            <p:cNvPr id="11" name="矢印: 山形 10">
+              <a:extLst>
+                <a:ext uri="{FF2B5EF4-FFF2-40B4-BE49-F238E27FC236}">
+                  <a16:creationId xmlns:a16="http://schemas.microsoft.com/office/drawing/2014/main" id="{5534E33C-144E-7A77-7FDF-B278F014C4A6}"/>
+                </a:ext>
+              </a:extLst>
+            </p:cNvPr>
+            <p:cNvSpPr/>
+            <p:nvPr/>
+          </p:nvSpPr>
+          <p:spPr>
+            <a:xfrm rot="5400000">
+              <a:off x="-173231" y="1491743"/>
+              <a:ext cx="1370665" cy="1024202"/>
+            </a:xfrm>
+            <a:prstGeom prst="chevron">
+              <a:avLst>
+                <a:gd name="adj" fmla="val 21780"/>
+              </a:avLst>
+            </a:prstGeom>
+            <a:solidFill>
+              <a:schemeClr val="tx1">
+                <a:lumMod val="65000"/>
+                <a:lumOff val="35000"/>
+              </a:schemeClr>
+            </a:solidFill>
+            <a:ln>
+              <a:noFill/>
+            </a:ln>
+          </p:spPr>
+          <p:style>
+            <a:lnRef idx="2">
+              <a:schemeClr val="accent1">
+                <a:hueOff val="0"/>
+                <a:satOff val="0"/>
+                <a:lumOff val="0"/>
+                <a:alphaOff val="0"/>
+              </a:schemeClr>
+            </a:lnRef>
+            <a:fillRef idx="1">
+              <a:schemeClr val="accent1">
+                <a:hueOff val="0"/>
+                <a:satOff val="0"/>
+                <a:lumOff val="0"/>
+                <a:alphaOff val="0"/>
+              </a:schemeClr>
+            </a:fillRef>
+            <a:effectRef idx="0">
+              <a:schemeClr val="accent1">
+                <a:hueOff val="0"/>
+                <a:satOff val="0"/>
+                <a:lumOff val="0"/>
+                <a:alphaOff val="0"/>
+              </a:schemeClr>
+            </a:effectRef>
+            <a:fontRef idx="minor">
+              <a:schemeClr val="lt1"/>
+            </a:fontRef>
+          </p:style>
+          <p:txBody>
+            <a:bodyPr/>
+            <a:lstStyle/>
+            <a:p>
+              <a:endParaRPr lang="ja-JP" altLang="en-US" sz="3600">
+                <a:latin typeface="Yu Gothic UI" panose="020B0500000000000000" pitchFamily="50" charset="-128"/>
+                <a:ea typeface="Yu Gothic UI" panose="020B0500000000000000" pitchFamily="50" charset="-128"/>
+              </a:endParaRPr>
+            </a:p>
+          </p:txBody>
+        </p:sp>
+        <p:sp>
+          <p:nvSpPr>
+            <p:cNvPr id="12" name="矢印: 山形 4">
+              <a:extLst>
+                <a:ext uri="{FF2B5EF4-FFF2-40B4-BE49-F238E27FC236}">
+                  <a16:creationId xmlns:a16="http://schemas.microsoft.com/office/drawing/2014/main" id="{39BFD9A5-C943-62FD-4318-254512714C8B}"/>
+                </a:ext>
+              </a:extLst>
+            </p:cNvPr>
+            <p:cNvSpPr txBox="1"/>
+            <p:nvPr/>
+          </p:nvSpPr>
+          <p:spPr>
+            <a:xfrm>
+              <a:off x="13581" y="1777716"/>
+              <a:ext cx="1024202" cy="438943"/>
+            </a:xfrm>
+            <a:prstGeom prst="rect">
+              <a:avLst/>
+            </a:prstGeom>
+          </p:spPr>
+          <p:style>
+            <a:lnRef idx="0">
+              <a:scrgbClr r="0" g="0" b="0"/>
+            </a:lnRef>
+            <a:fillRef idx="0">
+              <a:scrgbClr r="0" g="0" b="0"/>
+            </a:fillRef>
+            <a:effectRef idx="0">
+              <a:scrgbClr r="0" g="0" b="0"/>
+            </a:effectRef>
+            <a:fontRef idx="minor">
+              <a:schemeClr val="lt1"/>
+            </a:fontRef>
+          </p:style>
+          <p:txBody>
+            <a:bodyPr spcFirstLastPara="0" vert="horz" wrap="square" lIns="5715" tIns="5715" rIns="5715" bIns="5715" numCol="1" spcCol="1270" anchor="ctr" anchorCtr="0">
+              <a:noAutofit/>
+            </a:bodyPr>
+            <a:lstStyle/>
+            <a:p>
+              <a:pPr marL="0" lvl="0" indent="0" algn="ctr" defTabSz="400050">
+                <a:lnSpc>
+                  <a:spcPct val="90000"/>
+                </a:lnSpc>
+                <a:spcBef>
+                  <a:spcPct val="0"/>
+                </a:spcBef>
+                <a:spcAft>
+                  <a:spcPct val="35000"/>
+                </a:spcAft>
+                <a:buNone/>
+              </a:pPr>
+              <a:r>
+                <a:rPr kumimoji="1" lang="en-US" altLang="ja-JP" sz="1600" kern="1200" dirty="0">
+                  <a:latin typeface="Yu Gothic UI" panose="020B0500000000000000" pitchFamily="50" charset="-128"/>
+                  <a:ea typeface="Yu Gothic UI" panose="020B0500000000000000" pitchFamily="50" charset="-128"/>
+                </a:rPr>
+                <a:t>Phase1</a:t>
+              </a:r>
+            </a:p>
+            <a:p>
+              <a:pPr marL="0" lvl="0" indent="0" algn="ctr" defTabSz="400050">
+                <a:lnSpc>
+                  <a:spcPct val="90000"/>
+                </a:lnSpc>
+                <a:spcBef>
+                  <a:spcPct val="0"/>
+                </a:spcBef>
+                <a:spcAft>
+                  <a:spcPct val="35000"/>
+                </a:spcAft>
+                <a:buNone/>
+              </a:pPr>
+              <a:r>
+                <a:rPr kumimoji="1" lang="en-US" altLang="ja-JP" sz="1600" kern="1200" dirty="0">
+                  <a:latin typeface="Yu Gothic UI" panose="020B0500000000000000" pitchFamily="50" charset="-128"/>
+                  <a:ea typeface="Yu Gothic UI" panose="020B0500000000000000" pitchFamily="50" charset="-128"/>
+                </a:rPr>
+                <a:t>Extract(</a:t>
+              </a:r>
+              <a:r>
+                <a:rPr kumimoji="1" lang="ja-JP" altLang="en-US" sz="1600" kern="1200" dirty="0">
+                  <a:latin typeface="Yu Gothic UI" panose="020B0500000000000000" pitchFamily="50" charset="-128"/>
+                  <a:ea typeface="Yu Gothic UI" panose="020B0500000000000000" pitchFamily="50" charset="-128"/>
+                </a:rPr>
+                <a:t>抽出</a:t>
+              </a:r>
+              <a:r>
+                <a:rPr kumimoji="1" lang="en-US" altLang="ja-JP" sz="1600" kern="1200" dirty="0">
+                  <a:latin typeface="Yu Gothic UI" panose="020B0500000000000000" pitchFamily="50" charset="-128"/>
+                  <a:ea typeface="Yu Gothic UI" panose="020B0500000000000000" pitchFamily="50" charset="-128"/>
+                </a:rPr>
+                <a:t>)</a:t>
+              </a:r>
+              <a:endParaRPr kumimoji="1" lang="ja-JP" altLang="en-US" sz="1600" kern="1200" dirty="0">
+                <a:latin typeface="Yu Gothic UI" panose="020B0500000000000000" pitchFamily="50" charset="-128"/>
+                <a:ea typeface="Yu Gothic UI" panose="020B0500000000000000" pitchFamily="50" charset="-128"/>
+              </a:endParaRPr>
+            </a:p>
+          </p:txBody>
+        </p:sp>
+      </p:grpSp>
+      <p:grpSp>
+        <p:nvGrpSpPr>
+          <p:cNvPr id="15" name="グループ化 14">
+            <a:extLst>
+              <a:ext uri="{FF2B5EF4-FFF2-40B4-BE49-F238E27FC236}">
+                <a16:creationId xmlns:a16="http://schemas.microsoft.com/office/drawing/2014/main" id="{B57F61DA-1F48-65A6-4330-A785FDAD5859}"/>
+              </a:ext>
+            </a:extLst>
+          </p:cNvPr>
+          <p:cNvGrpSpPr/>
+          <p:nvPr/>
+        </p:nvGrpSpPr>
+        <p:grpSpPr>
+          <a:xfrm>
+            <a:off x="2903334" y="2230891"/>
+            <a:ext cx="7971930" cy="1141652"/>
+            <a:chOff x="1024201" y="1127903"/>
+            <a:chExt cx="4966569" cy="1141652"/>
+          </a:xfrm>
+        </p:grpSpPr>
+        <p:sp>
+          <p:nvSpPr>
+            <p:cNvPr id="16" name="四角形: 上の 2 つの角を丸める 15">
+              <a:extLst>
+                <a:ext uri="{FF2B5EF4-FFF2-40B4-BE49-F238E27FC236}">
+                  <a16:creationId xmlns:a16="http://schemas.microsoft.com/office/drawing/2014/main" id="{9EC9FC22-D1DF-295C-988E-32826D6F0F54}"/>
+                </a:ext>
+              </a:extLst>
+            </p:cNvPr>
+            <p:cNvSpPr/>
+            <p:nvPr/>
+          </p:nvSpPr>
+          <p:spPr>
+            <a:xfrm rot="5400000">
+              <a:off x="2936661" y="-784555"/>
+              <a:ext cx="1141650" cy="4966569"/>
+            </a:xfrm>
+            <a:prstGeom prst="round2SameRect">
+              <a:avLst/>
+            </a:prstGeom>
+            <a:ln>
+              <a:solidFill>
+                <a:schemeClr val="tx1">
+                  <a:lumMod val="75000"/>
+                  <a:lumOff val="25000"/>
+                </a:schemeClr>
+              </a:solidFill>
+            </a:ln>
+          </p:spPr>
+          <p:style>
+            <a:lnRef idx="2">
+              <a:schemeClr val="accent1">
+                <a:hueOff val="0"/>
+                <a:satOff val="0"/>
+                <a:lumOff val="0"/>
+                <a:alphaOff val="0"/>
+              </a:schemeClr>
+            </a:lnRef>
+            <a:fillRef idx="1">
+              <a:schemeClr val="lt1">
+                <a:alpha val="90000"/>
+                <a:hueOff val="0"/>
+                <a:satOff val="0"/>
+                <a:lumOff val="0"/>
+                <a:alphaOff val="0"/>
+              </a:schemeClr>
+            </a:fillRef>
+            <a:effectRef idx="0">
+              <a:schemeClr val="lt1">
+                <a:alpha val="90000"/>
+                <a:hueOff val="0"/>
+                <a:satOff val="0"/>
+                <a:lumOff val="0"/>
+                <a:alphaOff val="0"/>
+              </a:schemeClr>
+            </a:effectRef>
+            <a:fontRef idx="minor">
+              <a:schemeClr val="dk1">
+                <a:hueOff val="0"/>
+                <a:satOff val="0"/>
+                <a:lumOff val="0"/>
+                <a:alphaOff val="0"/>
+              </a:schemeClr>
+            </a:fontRef>
+          </p:style>
+          <p:txBody>
+            <a:bodyPr/>
+            <a:lstStyle/>
+            <a:p>
+              <a:endParaRPr lang="ja-JP" altLang="en-US" sz="1600" dirty="0">
+                <a:latin typeface="Yu Gothic UI" panose="020B0500000000000000" pitchFamily="50" charset="-128"/>
+                <a:ea typeface="Yu Gothic UI" panose="020B0500000000000000" pitchFamily="50" charset="-128"/>
+              </a:endParaRPr>
+            </a:p>
+          </p:txBody>
+        </p:sp>
+        <p:sp>
+          <p:nvSpPr>
+            <p:cNvPr id="17" name="四角形: 上の 2 つの角を丸める 4">
+              <a:extLst>
+                <a:ext uri="{FF2B5EF4-FFF2-40B4-BE49-F238E27FC236}">
+                  <a16:creationId xmlns:a16="http://schemas.microsoft.com/office/drawing/2014/main" id="{AA3B6F4B-72BB-1128-21E0-BE3F610C3130}"/>
+                </a:ext>
+              </a:extLst>
+            </p:cNvPr>
+            <p:cNvSpPr txBox="1"/>
+            <p:nvPr/>
+          </p:nvSpPr>
+          <p:spPr>
+            <a:xfrm>
+              <a:off x="1047414" y="1127903"/>
+              <a:ext cx="4920143" cy="1102558"/>
+            </a:xfrm>
+            <a:prstGeom prst="rect">
+              <a:avLst/>
+            </a:prstGeom>
+          </p:spPr>
+          <p:style>
+            <a:lnRef idx="0">
+              <a:scrgbClr r="0" g="0" b="0"/>
+            </a:lnRef>
+            <a:fillRef idx="0">
+              <a:scrgbClr r="0" g="0" b="0"/>
+            </a:fillRef>
+            <a:effectRef idx="0">
+              <a:scrgbClr r="0" g="0" b="0"/>
+            </a:effectRef>
+            <a:fontRef idx="minor">
+              <a:schemeClr val="dk1">
+                <a:hueOff val="0"/>
+                <a:satOff val="0"/>
+                <a:lumOff val="0"/>
+                <a:alphaOff val="0"/>
+              </a:schemeClr>
+            </a:fontRef>
+          </p:style>
+          <p:txBody>
+            <a:bodyPr spcFirstLastPara="0" vert="horz" wrap="square" lIns="142240" tIns="12700" rIns="12700" bIns="12700" numCol="1" spcCol="1270" anchor="ctr" anchorCtr="0">
+              <a:noAutofit/>
+            </a:bodyPr>
+            <a:lstStyle/>
+            <a:p>
+              <a:pPr marL="228600" lvl="1" indent="-228600" algn="l" defTabSz="889000">
+                <a:lnSpc>
+                  <a:spcPct val="90000"/>
+                </a:lnSpc>
+                <a:spcBef>
+                  <a:spcPct val="0"/>
+                </a:spcBef>
+                <a:spcAft>
+                  <a:spcPct val="15000"/>
+                </a:spcAft>
+                <a:buChar char="•"/>
+              </a:pPr>
+              <a:r>
+                <a:rPr kumimoji="1" lang="ja-JP" altLang="en-US" kern="1200" dirty="0">
+                  <a:latin typeface="Yu Gothic UI" panose="020B0500000000000000" pitchFamily="50" charset="-128"/>
+                  <a:ea typeface="Yu Gothic UI" panose="020B0500000000000000" pitchFamily="50" charset="-128"/>
+                </a:rPr>
+                <a:t>各仕様書のシート毎に</a:t>
+              </a:r>
+              <a:r>
+                <a:rPr lang="ja-JP" altLang="en-US" dirty="0">
+                  <a:latin typeface="Yu Gothic UI" panose="020B0500000000000000" pitchFamily="50" charset="-128"/>
+                  <a:ea typeface="Yu Gothic UI" panose="020B0500000000000000" pitchFamily="50" charset="-128"/>
+                </a:rPr>
+                <a:t>１</a:t>
+              </a:r>
+              <a:r>
+                <a:rPr kumimoji="1" lang="ja-JP" altLang="en-US" kern="1200" dirty="0">
+                  <a:latin typeface="Yu Gothic UI" panose="020B0500000000000000" pitchFamily="50" charset="-128"/>
+                  <a:ea typeface="Yu Gothic UI" panose="020B0500000000000000" pitchFamily="50" charset="-128"/>
+                </a:rPr>
+                <a:t>回ずつ </a:t>
+              </a:r>
+              <a:r>
+                <a:rPr kumimoji="1" lang="en-US" altLang="ja-JP" kern="1200" dirty="0">
+                  <a:latin typeface="Yu Gothic UI" panose="020B0500000000000000" pitchFamily="50" charset="-128"/>
+                  <a:ea typeface="Yu Gothic UI" panose="020B0500000000000000" pitchFamily="50" charset="-128"/>
+                </a:rPr>
+                <a:t>LLM </a:t>
+              </a:r>
+              <a:r>
+                <a:rPr kumimoji="1" lang="ja-JP" altLang="en-US" kern="1200" dirty="0">
+                  <a:latin typeface="Yu Gothic UI" panose="020B0500000000000000" pitchFamily="50" charset="-128"/>
+                  <a:ea typeface="Yu Gothic UI" panose="020B0500000000000000" pitchFamily="50" charset="-128"/>
+                </a:rPr>
+                <a:t>を呼び出し</a:t>
+              </a:r>
+              <a:endParaRPr kumimoji="1" lang="en-US" altLang="ja-JP" kern="1200" dirty="0">
+                <a:latin typeface="Yu Gothic UI" panose="020B0500000000000000" pitchFamily="50" charset="-128"/>
+                <a:ea typeface="Yu Gothic UI" panose="020B0500000000000000" pitchFamily="50" charset="-128"/>
+              </a:endParaRPr>
+            </a:p>
+            <a:p>
+              <a:pPr marL="228600" lvl="1" indent="-228600" algn="l" defTabSz="889000">
+                <a:lnSpc>
+                  <a:spcPct val="90000"/>
+                </a:lnSpc>
+                <a:spcBef>
+                  <a:spcPct val="0"/>
+                </a:spcBef>
+                <a:spcAft>
+                  <a:spcPct val="15000"/>
+                </a:spcAft>
+                <a:buChar char="•"/>
+              </a:pPr>
+              <a:r>
+                <a:rPr lang="ja-JP" altLang="en-US" dirty="0">
+                  <a:latin typeface="Yu Gothic UI" panose="020B0500000000000000" pitchFamily="50" charset="-128"/>
+                  <a:ea typeface="Yu Gothic UI" panose="020B0500000000000000" pitchFamily="50" charset="-128"/>
+                </a:rPr>
+                <a:t>そのシートに記載されている「事実」をカテゴリを意識しながら抽出</a:t>
+              </a:r>
+              <a:endParaRPr lang="en-US" altLang="ja-JP" dirty="0">
+                <a:latin typeface="Yu Gothic UI" panose="020B0500000000000000" pitchFamily="50" charset="-128"/>
+                <a:ea typeface="Yu Gothic UI" panose="020B0500000000000000" pitchFamily="50" charset="-128"/>
+              </a:endParaRPr>
+            </a:p>
+          </p:txBody>
+        </p:sp>
+      </p:grpSp>
+      <p:grpSp>
+        <p:nvGrpSpPr>
+          <p:cNvPr id="30" name="グループ化 29">
+            <a:extLst>
+              <a:ext uri="{FF2B5EF4-FFF2-40B4-BE49-F238E27FC236}">
+                <a16:creationId xmlns:a16="http://schemas.microsoft.com/office/drawing/2014/main" id="{45BC1DBB-C410-0AB0-F1C3-825D04AE03ED}"/>
+              </a:ext>
+            </a:extLst>
+          </p:cNvPr>
+          <p:cNvGrpSpPr/>
+          <p:nvPr/>
+        </p:nvGrpSpPr>
+        <p:grpSpPr>
+          <a:xfrm>
+            <a:off x="907071" y="3504332"/>
+            <a:ext cx="1886028" cy="1682615"/>
+            <a:chOff x="1" y="1318511"/>
+            <a:chExt cx="1037782" cy="1370665"/>
+          </a:xfrm>
+        </p:grpSpPr>
+        <p:sp>
+          <p:nvSpPr>
+            <p:cNvPr id="31" name="矢印: 山形 30">
+              <a:extLst>
+                <a:ext uri="{FF2B5EF4-FFF2-40B4-BE49-F238E27FC236}">
+                  <a16:creationId xmlns:a16="http://schemas.microsoft.com/office/drawing/2014/main" id="{1CBCD043-B5EB-1292-F186-A968BD2DB99A}"/>
+                </a:ext>
+              </a:extLst>
+            </p:cNvPr>
+            <p:cNvSpPr/>
+            <p:nvPr/>
+          </p:nvSpPr>
+          <p:spPr>
+            <a:xfrm rot="5400000">
+              <a:off x="-173231" y="1491743"/>
+              <a:ext cx="1370665" cy="1024202"/>
+            </a:xfrm>
+            <a:prstGeom prst="chevron">
+              <a:avLst>
+                <a:gd name="adj" fmla="val 21780"/>
+              </a:avLst>
+            </a:prstGeom>
+            <a:solidFill>
+              <a:schemeClr val="tx1">
+                <a:lumMod val="65000"/>
+                <a:lumOff val="35000"/>
+              </a:schemeClr>
+            </a:solidFill>
+            <a:ln>
+              <a:noFill/>
+            </a:ln>
+          </p:spPr>
+          <p:style>
+            <a:lnRef idx="2">
+              <a:schemeClr val="accent1">
+                <a:hueOff val="0"/>
+                <a:satOff val="0"/>
+                <a:lumOff val="0"/>
+                <a:alphaOff val="0"/>
+              </a:schemeClr>
+            </a:lnRef>
+            <a:fillRef idx="1">
+              <a:schemeClr val="accent1">
+                <a:hueOff val="0"/>
+                <a:satOff val="0"/>
+                <a:lumOff val="0"/>
+                <a:alphaOff val="0"/>
+              </a:schemeClr>
+            </a:fillRef>
+            <a:effectRef idx="0">
+              <a:schemeClr val="accent1">
+                <a:hueOff val="0"/>
+                <a:satOff val="0"/>
+                <a:lumOff val="0"/>
+                <a:alphaOff val="0"/>
+              </a:schemeClr>
+            </a:effectRef>
+            <a:fontRef idx="minor">
+              <a:schemeClr val="lt1"/>
+            </a:fontRef>
+          </p:style>
+          <p:txBody>
+            <a:bodyPr/>
+            <a:lstStyle/>
+            <a:p>
+              <a:endParaRPr lang="ja-JP" altLang="en-US" sz="3600">
+                <a:latin typeface="Yu Gothic UI" panose="020B0500000000000000" pitchFamily="50" charset="-128"/>
+                <a:ea typeface="Yu Gothic UI" panose="020B0500000000000000" pitchFamily="50" charset="-128"/>
+              </a:endParaRPr>
+            </a:p>
+          </p:txBody>
+        </p:sp>
+        <p:sp>
+          <p:nvSpPr>
+            <p:cNvPr id="32" name="矢印: 山形 4">
+              <a:extLst>
+                <a:ext uri="{FF2B5EF4-FFF2-40B4-BE49-F238E27FC236}">
+                  <a16:creationId xmlns:a16="http://schemas.microsoft.com/office/drawing/2014/main" id="{FBA6A7D2-3019-BFF3-D06D-D3C119C3523D}"/>
+                </a:ext>
+              </a:extLst>
+            </p:cNvPr>
+            <p:cNvSpPr txBox="1"/>
+            <p:nvPr/>
+          </p:nvSpPr>
+          <p:spPr>
+            <a:xfrm>
+              <a:off x="13581" y="1777716"/>
+              <a:ext cx="1024202" cy="438943"/>
+            </a:xfrm>
+            <a:prstGeom prst="rect">
+              <a:avLst/>
+            </a:prstGeom>
+          </p:spPr>
+          <p:style>
+            <a:lnRef idx="0">
+              <a:scrgbClr r="0" g="0" b="0"/>
+            </a:lnRef>
+            <a:fillRef idx="0">
+              <a:scrgbClr r="0" g="0" b="0"/>
+            </a:fillRef>
+            <a:effectRef idx="0">
+              <a:scrgbClr r="0" g="0" b="0"/>
+            </a:effectRef>
+            <a:fontRef idx="minor">
+              <a:schemeClr val="lt1"/>
+            </a:fontRef>
+          </p:style>
+          <p:txBody>
+            <a:bodyPr spcFirstLastPara="0" vert="horz" wrap="square" lIns="5715" tIns="5715" rIns="5715" bIns="5715" numCol="1" spcCol="1270" anchor="ctr" anchorCtr="0">
+              <a:noAutofit/>
+            </a:bodyPr>
+            <a:lstStyle/>
+            <a:p>
+              <a:pPr lvl="0" algn="ctr" defTabSz="400050">
+                <a:lnSpc>
+                  <a:spcPct val="90000"/>
+                </a:lnSpc>
+                <a:spcAft>
+                  <a:spcPct val="35000"/>
+                </a:spcAft>
+              </a:pPr>
+              <a:r>
+                <a:rPr lang="en-US" altLang="ja-JP" sz="1600" dirty="0">
+                  <a:latin typeface="Yu Gothic UI" panose="020B0500000000000000" pitchFamily="50" charset="-128"/>
+                  <a:ea typeface="Yu Gothic UI" panose="020B0500000000000000" pitchFamily="50" charset="-128"/>
+                </a:rPr>
+                <a:t>Phase2</a:t>
+              </a:r>
+            </a:p>
+            <a:p>
+              <a:pPr lvl="0" algn="ctr" defTabSz="400050">
+                <a:lnSpc>
+                  <a:spcPct val="90000"/>
+                </a:lnSpc>
+                <a:spcAft>
+                  <a:spcPct val="35000"/>
+                </a:spcAft>
+              </a:pPr>
+              <a:r>
+                <a:rPr lang="en-US" altLang="ja-JP" sz="1600" dirty="0">
+                  <a:latin typeface="Yu Gothic UI" panose="020B0500000000000000" pitchFamily="50" charset="-128"/>
+                  <a:ea typeface="Yu Gothic UI" panose="020B0500000000000000" pitchFamily="50" charset="-128"/>
+                </a:rPr>
+                <a:t>Organize(</a:t>
+              </a:r>
+              <a:r>
+                <a:rPr lang="ja-JP" altLang="en-US" sz="1600" dirty="0">
+                  <a:latin typeface="Yu Gothic UI" panose="020B0500000000000000" pitchFamily="50" charset="-128"/>
+                  <a:ea typeface="Yu Gothic UI" panose="020B0500000000000000" pitchFamily="50" charset="-128"/>
+                </a:rPr>
+                <a:t>抽出</a:t>
+              </a:r>
+              <a:r>
+                <a:rPr lang="en-US" altLang="ja-JP" sz="1600" dirty="0">
+                  <a:latin typeface="Yu Gothic UI" panose="020B0500000000000000" pitchFamily="50" charset="-128"/>
+                  <a:ea typeface="Yu Gothic UI" panose="020B0500000000000000" pitchFamily="50" charset="-128"/>
+                </a:rPr>
+                <a:t>)</a:t>
+              </a:r>
+              <a:endParaRPr kumimoji="1" lang="ja-JP" altLang="en-US" sz="1600" kern="1200" dirty="0">
+                <a:latin typeface="Yu Gothic UI" panose="020B0500000000000000" pitchFamily="50" charset="-128"/>
+                <a:ea typeface="Yu Gothic UI" panose="020B0500000000000000" pitchFamily="50" charset="-128"/>
+              </a:endParaRPr>
+            </a:p>
+          </p:txBody>
+        </p:sp>
+      </p:grpSp>
+      <p:grpSp>
+        <p:nvGrpSpPr>
+          <p:cNvPr id="33" name="グループ化 32">
+            <a:extLst>
+              <a:ext uri="{FF2B5EF4-FFF2-40B4-BE49-F238E27FC236}">
+                <a16:creationId xmlns:a16="http://schemas.microsoft.com/office/drawing/2014/main" id="{458E92F1-2AE2-1E27-5460-E77F9488AA68}"/>
+              </a:ext>
+            </a:extLst>
+          </p:cNvPr>
+          <p:cNvGrpSpPr/>
+          <p:nvPr/>
+        </p:nvGrpSpPr>
+        <p:grpSpPr>
+          <a:xfrm>
+            <a:off x="900930" y="4918064"/>
+            <a:ext cx="1886028" cy="1682615"/>
+            <a:chOff x="1" y="1318511"/>
+            <a:chExt cx="1037782" cy="1370665"/>
+          </a:xfrm>
+        </p:grpSpPr>
+        <p:sp>
+          <p:nvSpPr>
+            <p:cNvPr id="34" name="矢印: 山形 33">
+              <a:extLst>
+                <a:ext uri="{FF2B5EF4-FFF2-40B4-BE49-F238E27FC236}">
+                  <a16:creationId xmlns:a16="http://schemas.microsoft.com/office/drawing/2014/main" id="{FD5624F0-F0E2-AA75-AAB7-B18B6C83BFF1}"/>
+                </a:ext>
+              </a:extLst>
+            </p:cNvPr>
+            <p:cNvSpPr/>
+            <p:nvPr/>
+          </p:nvSpPr>
+          <p:spPr>
+            <a:xfrm rot="5400000">
+              <a:off x="-173231" y="1491743"/>
+              <a:ext cx="1370665" cy="1024202"/>
+            </a:xfrm>
+            <a:prstGeom prst="chevron">
+              <a:avLst>
+                <a:gd name="adj" fmla="val 21780"/>
+              </a:avLst>
+            </a:prstGeom>
+            <a:solidFill>
+              <a:schemeClr val="tx1">
+                <a:lumMod val="65000"/>
+                <a:lumOff val="35000"/>
+              </a:schemeClr>
+            </a:solidFill>
+            <a:ln>
+              <a:noFill/>
+            </a:ln>
+          </p:spPr>
+          <p:style>
+            <a:lnRef idx="2">
+              <a:schemeClr val="accent1">
+                <a:hueOff val="0"/>
+                <a:satOff val="0"/>
+                <a:lumOff val="0"/>
+                <a:alphaOff val="0"/>
+              </a:schemeClr>
+            </a:lnRef>
+            <a:fillRef idx="1">
+              <a:schemeClr val="accent1">
+                <a:hueOff val="0"/>
+                <a:satOff val="0"/>
+                <a:lumOff val="0"/>
+                <a:alphaOff val="0"/>
+              </a:schemeClr>
+            </a:fillRef>
+            <a:effectRef idx="0">
+              <a:schemeClr val="accent1">
+                <a:hueOff val="0"/>
+                <a:satOff val="0"/>
+                <a:lumOff val="0"/>
+                <a:alphaOff val="0"/>
+              </a:schemeClr>
+            </a:effectRef>
+            <a:fontRef idx="minor">
+              <a:schemeClr val="lt1"/>
+            </a:fontRef>
+          </p:style>
+          <p:txBody>
+            <a:bodyPr/>
+            <a:lstStyle/>
+            <a:p>
+              <a:endParaRPr lang="ja-JP" altLang="en-US" sz="3600">
+                <a:latin typeface="Yu Gothic UI" panose="020B0500000000000000" pitchFamily="50" charset="-128"/>
+                <a:ea typeface="Yu Gothic UI" panose="020B0500000000000000" pitchFamily="50" charset="-128"/>
+              </a:endParaRPr>
+            </a:p>
+          </p:txBody>
+        </p:sp>
+        <p:sp>
+          <p:nvSpPr>
+            <p:cNvPr id="35" name="矢印: 山形 4">
+              <a:extLst>
+                <a:ext uri="{FF2B5EF4-FFF2-40B4-BE49-F238E27FC236}">
+                  <a16:creationId xmlns:a16="http://schemas.microsoft.com/office/drawing/2014/main" id="{AF8C6AB1-FB00-E2C3-4460-501AABACB53E}"/>
+                </a:ext>
+              </a:extLst>
+            </p:cNvPr>
+            <p:cNvSpPr txBox="1"/>
+            <p:nvPr/>
+          </p:nvSpPr>
+          <p:spPr>
+            <a:xfrm>
+              <a:off x="13581" y="1777716"/>
+              <a:ext cx="1024202" cy="438943"/>
+            </a:xfrm>
+            <a:prstGeom prst="rect">
+              <a:avLst/>
+            </a:prstGeom>
+          </p:spPr>
+          <p:style>
+            <a:lnRef idx="0">
+              <a:scrgbClr r="0" g="0" b="0"/>
+            </a:lnRef>
+            <a:fillRef idx="0">
+              <a:scrgbClr r="0" g="0" b="0"/>
+            </a:fillRef>
+            <a:effectRef idx="0">
+              <a:scrgbClr r="0" g="0" b="0"/>
+            </a:effectRef>
+            <a:fontRef idx="minor">
+              <a:schemeClr val="lt1"/>
+            </a:fontRef>
+          </p:style>
+          <p:txBody>
+            <a:bodyPr spcFirstLastPara="0" vert="horz" wrap="square" lIns="5715" tIns="5715" rIns="5715" bIns="5715" numCol="1" spcCol="1270" anchor="ctr" anchorCtr="0">
+              <a:noAutofit/>
+            </a:bodyPr>
+            <a:lstStyle/>
+            <a:p>
+              <a:pPr lvl="0" algn="ctr" defTabSz="400050">
+                <a:lnSpc>
+                  <a:spcPct val="90000"/>
+                </a:lnSpc>
+                <a:spcAft>
+                  <a:spcPct val="35000"/>
+                </a:spcAft>
+              </a:pPr>
+              <a:r>
+                <a:rPr lang="en-US" altLang="ja-JP" sz="1600" dirty="0">
+                  <a:latin typeface="Yu Gothic UI" panose="020B0500000000000000" pitchFamily="50" charset="-128"/>
+                  <a:ea typeface="Yu Gothic UI" panose="020B0500000000000000" pitchFamily="50" charset="-128"/>
+                </a:rPr>
+                <a:t>Phase3</a:t>
+              </a:r>
+            </a:p>
+            <a:p>
+              <a:pPr lvl="0" algn="ctr" defTabSz="400050">
+                <a:lnSpc>
+                  <a:spcPct val="90000"/>
+                </a:lnSpc>
+                <a:spcAft>
+                  <a:spcPct val="35000"/>
+                </a:spcAft>
+              </a:pPr>
+              <a:r>
+                <a:rPr lang="en-US" altLang="ja-JP" sz="1600" dirty="0">
+                  <a:latin typeface="Yu Gothic UI" panose="020B0500000000000000" pitchFamily="50" charset="-128"/>
+                  <a:ea typeface="Yu Gothic UI" panose="020B0500000000000000" pitchFamily="50" charset="-128"/>
+                </a:rPr>
+                <a:t>Synthesize(</a:t>
+              </a:r>
+              <a:r>
+                <a:rPr lang="ja-JP" altLang="en-US" sz="1600" dirty="0">
+                  <a:latin typeface="Yu Gothic UI" panose="020B0500000000000000" pitchFamily="50" charset="-128"/>
+                  <a:ea typeface="Yu Gothic UI" panose="020B0500000000000000" pitchFamily="50" charset="-128"/>
+                </a:rPr>
+                <a:t>合成</a:t>
+              </a:r>
+              <a:r>
+                <a:rPr lang="en-US" altLang="ja-JP" sz="1600" dirty="0">
+                  <a:latin typeface="Yu Gothic UI" panose="020B0500000000000000" pitchFamily="50" charset="-128"/>
+                  <a:ea typeface="Yu Gothic UI" panose="020B0500000000000000" pitchFamily="50" charset="-128"/>
+                </a:rPr>
+                <a:t>)</a:t>
+              </a:r>
+              <a:endParaRPr lang="ja-JP" altLang="en-US" sz="1600" dirty="0">
+                <a:latin typeface="Yu Gothic UI" panose="020B0500000000000000" pitchFamily="50" charset="-128"/>
+                <a:ea typeface="Yu Gothic UI" panose="020B0500000000000000" pitchFamily="50" charset="-128"/>
+              </a:endParaRPr>
+            </a:p>
+          </p:txBody>
+        </p:sp>
+      </p:grpSp>
+      <p:grpSp>
+        <p:nvGrpSpPr>
+          <p:cNvPr id="36" name="グループ化 35">
+            <a:extLst>
+              <a:ext uri="{FF2B5EF4-FFF2-40B4-BE49-F238E27FC236}">
+                <a16:creationId xmlns:a16="http://schemas.microsoft.com/office/drawing/2014/main" id="{C2711B6A-BB07-F3AA-5D7C-D07FB6EFD90F}"/>
+              </a:ext>
+            </a:extLst>
+          </p:cNvPr>
+          <p:cNvGrpSpPr/>
+          <p:nvPr/>
+        </p:nvGrpSpPr>
+        <p:grpSpPr>
+          <a:xfrm>
+            <a:off x="2903334" y="3652469"/>
+            <a:ext cx="7934671" cy="1141652"/>
+            <a:chOff x="1024201" y="1127903"/>
+            <a:chExt cx="4966569" cy="1141652"/>
+          </a:xfrm>
+        </p:grpSpPr>
+        <p:sp>
+          <p:nvSpPr>
+            <p:cNvPr id="37" name="四角形: 上の 2 つの角を丸める 36">
+              <a:extLst>
+                <a:ext uri="{FF2B5EF4-FFF2-40B4-BE49-F238E27FC236}">
+                  <a16:creationId xmlns:a16="http://schemas.microsoft.com/office/drawing/2014/main" id="{3832582C-2B7B-A0F3-79FC-E31D27EB0134}"/>
+                </a:ext>
+              </a:extLst>
+            </p:cNvPr>
+            <p:cNvSpPr/>
+            <p:nvPr/>
+          </p:nvSpPr>
+          <p:spPr>
+            <a:xfrm rot="5400000">
+              <a:off x="2936661" y="-784555"/>
+              <a:ext cx="1141650" cy="4966569"/>
+            </a:xfrm>
+            <a:prstGeom prst="round2SameRect">
+              <a:avLst/>
+            </a:prstGeom>
+            <a:ln>
+              <a:solidFill>
+                <a:schemeClr val="tx1">
+                  <a:lumMod val="75000"/>
+                  <a:lumOff val="25000"/>
+                </a:schemeClr>
+              </a:solidFill>
+            </a:ln>
+          </p:spPr>
+          <p:style>
+            <a:lnRef idx="2">
+              <a:schemeClr val="accent1">
+                <a:hueOff val="0"/>
+                <a:satOff val="0"/>
+                <a:lumOff val="0"/>
+                <a:alphaOff val="0"/>
+              </a:schemeClr>
+            </a:lnRef>
+            <a:fillRef idx="1">
+              <a:schemeClr val="lt1">
+                <a:alpha val="90000"/>
+                <a:hueOff val="0"/>
+                <a:satOff val="0"/>
+                <a:lumOff val="0"/>
+                <a:alphaOff val="0"/>
+              </a:schemeClr>
+            </a:fillRef>
+            <a:effectRef idx="0">
+              <a:schemeClr val="lt1">
+                <a:alpha val="90000"/>
+                <a:hueOff val="0"/>
+                <a:satOff val="0"/>
+                <a:lumOff val="0"/>
+                <a:alphaOff val="0"/>
+              </a:schemeClr>
+            </a:effectRef>
+            <a:fontRef idx="minor">
+              <a:schemeClr val="dk1">
+                <a:hueOff val="0"/>
+                <a:satOff val="0"/>
+                <a:lumOff val="0"/>
+                <a:alphaOff val="0"/>
+              </a:schemeClr>
+            </a:fontRef>
+          </p:style>
+          <p:txBody>
+            <a:bodyPr/>
+            <a:lstStyle/>
+            <a:p>
+              <a:endParaRPr lang="ja-JP" altLang="en-US" sz="1600" dirty="0">
+                <a:latin typeface="Yu Gothic UI" panose="020B0500000000000000" pitchFamily="50" charset="-128"/>
+                <a:ea typeface="Yu Gothic UI" panose="020B0500000000000000" pitchFamily="50" charset="-128"/>
+              </a:endParaRPr>
+            </a:p>
+          </p:txBody>
+        </p:sp>
+        <p:sp>
+          <p:nvSpPr>
+            <p:cNvPr id="38" name="四角形: 上の 2 つの角を丸める 4">
+              <a:extLst>
+                <a:ext uri="{FF2B5EF4-FFF2-40B4-BE49-F238E27FC236}">
+                  <a16:creationId xmlns:a16="http://schemas.microsoft.com/office/drawing/2014/main" id="{A1588676-F833-35D2-1D3F-72AC8C30C82D}"/>
+                </a:ext>
+              </a:extLst>
+            </p:cNvPr>
+            <p:cNvSpPr txBox="1"/>
+            <p:nvPr/>
+          </p:nvSpPr>
+          <p:spPr>
+            <a:xfrm>
+              <a:off x="1047414" y="1127903"/>
+              <a:ext cx="4920143" cy="1102558"/>
+            </a:xfrm>
+            <a:prstGeom prst="rect">
+              <a:avLst/>
+            </a:prstGeom>
+          </p:spPr>
+          <p:style>
+            <a:lnRef idx="0">
+              <a:scrgbClr r="0" g="0" b="0"/>
+            </a:lnRef>
+            <a:fillRef idx="0">
+              <a:scrgbClr r="0" g="0" b="0"/>
+            </a:fillRef>
+            <a:effectRef idx="0">
+              <a:scrgbClr r="0" g="0" b="0"/>
+            </a:effectRef>
+            <a:fontRef idx="minor">
+              <a:schemeClr val="dk1">
+                <a:hueOff val="0"/>
+                <a:satOff val="0"/>
+                <a:lumOff val="0"/>
+                <a:alphaOff val="0"/>
+              </a:schemeClr>
+            </a:fontRef>
+          </p:style>
+          <p:txBody>
+            <a:bodyPr spcFirstLastPara="0" vert="horz" wrap="square" lIns="142240" tIns="12700" rIns="12700" bIns="12700" numCol="1" spcCol="1270" anchor="ctr" anchorCtr="0">
+              <a:noAutofit/>
+            </a:bodyPr>
+            <a:lstStyle/>
+            <a:p>
+              <a:pPr marL="228600" lvl="1" indent="-228600" defTabSz="889000">
+                <a:lnSpc>
+                  <a:spcPct val="90000"/>
+                </a:lnSpc>
+                <a:spcAft>
+                  <a:spcPct val="15000"/>
+                </a:spcAft>
+                <a:buChar char="•"/>
+              </a:pPr>
+              <a:r>
+                <a:rPr lang="ja-JP" altLang="en-US" dirty="0">
+                  <a:latin typeface="Yu Gothic UI" panose="020B0500000000000000" pitchFamily="50" charset="-128"/>
+                  <a:ea typeface="Yu Gothic UI" panose="020B0500000000000000" pitchFamily="50" charset="-128"/>
+                </a:rPr>
+                <a:t>すべての事実を収集・結合し、トピック別・階層別に整理</a:t>
+              </a:r>
+              <a:endParaRPr lang="en-US" altLang="ja-JP" dirty="0">
+                <a:latin typeface="Yu Gothic UI" panose="020B0500000000000000" pitchFamily="50" charset="-128"/>
+                <a:ea typeface="Yu Gothic UI" panose="020B0500000000000000" pitchFamily="50" charset="-128"/>
+              </a:endParaRPr>
+            </a:p>
+          </p:txBody>
+        </p:sp>
+      </p:grpSp>
+      <p:grpSp>
+        <p:nvGrpSpPr>
+          <p:cNvPr id="39" name="グループ化 38">
+            <a:extLst>
+              <a:ext uri="{FF2B5EF4-FFF2-40B4-BE49-F238E27FC236}">
+                <a16:creationId xmlns:a16="http://schemas.microsoft.com/office/drawing/2014/main" id="{1F806BD1-85D0-283D-C6B8-9C1250DECBC6}"/>
+              </a:ext>
+            </a:extLst>
+          </p:cNvPr>
+          <p:cNvGrpSpPr/>
+          <p:nvPr/>
+        </p:nvGrpSpPr>
+        <p:grpSpPr>
+          <a:xfrm>
+            <a:off x="2903335" y="5026190"/>
+            <a:ext cx="7934670" cy="1141652"/>
+            <a:chOff x="1024201" y="1127903"/>
+            <a:chExt cx="4966569" cy="1141652"/>
+          </a:xfrm>
+        </p:grpSpPr>
+        <p:sp>
+          <p:nvSpPr>
+            <p:cNvPr id="40" name="四角形: 上の 2 つの角を丸める 39">
+              <a:extLst>
+                <a:ext uri="{FF2B5EF4-FFF2-40B4-BE49-F238E27FC236}">
+                  <a16:creationId xmlns:a16="http://schemas.microsoft.com/office/drawing/2014/main" id="{54C0B9D4-69D0-E5F3-F0C6-A1B675ED424F}"/>
+                </a:ext>
+              </a:extLst>
+            </p:cNvPr>
+            <p:cNvSpPr/>
+            <p:nvPr/>
+          </p:nvSpPr>
+          <p:spPr>
+            <a:xfrm rot="5400000">
+              <a:off x="2936661" y="-784555"/>
+              <a:ext cx="1141650" cy="4966569"/>
+            </a:xfrm>
+            <a:prstGeom prst="round2SameRect">
+              <a:avLst/>
+            </a:prstGeom>
+            <a:ln>
+              <a:solidFill>
+                <a:schemeClr val="tx1">
+                  <a:lumMod val="75000"/>
+                  <a:lumOff val="25000"/>
+                </a:schemeClr>
+              </a:solidFill>
+            </a:ln>
+          </p:spPr>
+          <p:style>
+            <a:lnRef idx="2">
+              <a:schemeClr val="accent1">
+                <a:hueOff val="0"/>
+                <a:satOff val="0"/>
+                <a:lumOff val="0"/>
+                <a:alphaOff val="0"/>
+              </a:schemeClr>
+            </a:lnRef>
+            <a:fillRef idx="1">
+              <a:schemeClr val="lt1">
+                <a:alpha val="90000"/>
+                <a:hueOff val="0"/>
+                <a:satOff val="0"/>
+                <a:lumOff val="0"/>
+                <a:alphaOff val="0"/>
+              </a:schemeClr>
+            </a:fillRef>
+            <a:effectRef idx="0">
+              <a:schemeClr val="lt1">
+                <a:alpha val="90000"/>
+                <a:hueOff val="0"/>
+                <a:satOff val="0"/>
+                <a:lumOff val="0"/>
+                <a:alphaOff val="0"/>
+              </a:schemeClr>
+            </a:effectRef>
+            <a:fontRef idx="minor">
+              <a:schemeClr val="dk1">
+                <a:hueOff val="0"/>
+                <a:satOff val="0"/>
+                <a:lumOff val="0"/>
+                <a:alphaOff val="0"/>
+              </a:schemeClr>
+            </a:fontRef>
+          </p:style>
+          <p:txBody>
+            <a:bodyPr/>
+            <a:lstStyle/>
+            <a:p>
+              <a:endParaRPr lang="ja-JP" altLang="en-US" sz="1600" dirty="0">
+                <a:latin typeface="Yu Gothic UI" panose="020B0500000000000000" pitchFamily="50" charset="-128"/>
+                <a:ea typeface="Yu Gothic UI" panose="020B0500000000000000" pitchFamily="50" charset="-128"/>
+              </a:endParaRPr>
+            </a:p>
+          </p:txBody>
+        </p:sp>
+        <p:sp>
+          <p:nvSpPr>
+            <p:cNvPr id="41" name="四角形: 上の 2 つの角を丸める 4">
+              <a:extLst>
+                <a:ext uri="{FF2B5EF4-FFF2-40B4-BE49-F238E27FC236}">
+                  <a16:creationId xmlns:a16="http://schemas.microsoft.com/office/drawing/2014/main" id="{A2D125A4-27A7-6C4F-51BF-9450F2B64573}"/>
+                </a:ext>
+              </a:extLst>
+            </p:cNvPr>
+            <p:cNvSpPr txBox="1"/>
+            <p:nvPr/>
+          </p:nvSpPr>
+          <p:spPr>
+            <a:xfrm>
+              <a:off x="1047414" y="1127903"/>
+              <a:ext cx="4920143" cy="1102558"/>
+            </a:xfrm>
+            <a:prstGeom prst="rect">
+              <a:avLst/>
+            </a:prstGeom>
+          </p:spPr>
+          <p:style>
+            <a:lnRef idx="0">
+              <a:scrgbClr r="0" g="0" b="0"/>
+            </a:lnRef>
+            <a:fillRef idx="0">
+              <a:scrgbClr r="0" g="0" b="0"/>
+            </a:fillRef>
+            <a:effectRef idx="0">
+              <a:scrgbClr r="0" g="0" b="0"/>
+            </a:effectRef>
+            <a:fontRef idx="minor">
+              <a:schemeClr val="dk1">
+                <a:hueOff val="0"/>
+                <a:satOff val="0"/>
+                <a:lumOff val="0"/>
+                <a:alphaOff val="0"/>
+              </a:schemeClr>
+            </a:fontRef>
+          </p:style>
+          <p:txBody>
+            <a:bodyPr spcFirstLastPara="0" vert="horz" wrap="square" lIns="142240" tIns="12700" rIns="12700" bIns="12700" numCol="1" spcCol="1270" anchor="ctr" anchorCtr="0">
+              <a:noAutofit/>
+            </a:bodyPr>
+            <a:lstStyle/>
+            <a:p>
+              <a:pPr marL="228600" lvl="1" indent="-228600" defTabSz="889000">
+                <a:lnSpc>
+                  <a:spcPct val="90000"/>
+                </a:lnSpc>
+                <a:spcAft>
+                  <a:spcPct val="15000"/>
+                </a:spcAft>
+                <a:buChar char="•"/>
+              </a:pPr>
+              <a:r>
+                <a:rPr lang="ja-JP" altLang="en-US" dirty="0">
+                  <a:latin typeface="Yu Gothic UI" panose="020B0500000000000000" pitchFamily="50" charset="-128"/>
+                  <a:ea typeface="Yu Gothic UI" panose="020B0500000000000000" pitchFamily="50" charset="-128"/>
+                </a:rPr>
+                <a:t>整理した事実から解説・要約のドキュメントを生成</a:t>
+              </a:r>
+            </a:p>
+          </p:txBody>
+        </p:sp>
+      </p:grpSp>
+      <p:sp>
+        <p:nvSpPr>
+          <p:cNvPr id="45" name="四角形: 上の 2 つの角を丸める 4">
+            <a:extLst>
+              <a:ext uri="{FF2B5EF4-FFF2-40B4-BE49-F238E27FC236}">
+                <a16:creationId xmlns:a16="http://schemas.microsoft.com/office/drawing/2014/main" id="{9DF076E4-790A-80FA-3E42-4516A5AFA172}"/>
+              </a:ext>
+            </a:extLst>
+          </p:cNvPr>
+          <p:cNvSpPr txBox="1"/>
+          <p:nvPr/>
+        </p:nvSpPr>
+        <p:spPr>
+          <a:xfrm>
+            <a:off x="2934156" y="1801608"/>
+            <a:ext cx="6532887" cy="441027"/>
+          </a:xfrm>
+          <a:prstGeom prst="rect">
+            <a:avLst/>
+          </a:prstGeom>
+        </p:spPr>
+        <p:style>
+          <a:lnRef idx="0">
+            <a:scrgbClr r="0" g="0" b="0"/>
+          </a:lnRef>
+          <a:fillRef idx="0">
+            <a:scrgbClr r="0" g="0" b="0"/>
+          </a:fillRef>
+          <a:effectRef idx="0">
+            <a:scrgbClr r="0" g="0" b="0"/>
+          </a:effectRef>
+          <a:fontRef idx="minor">
+            <a:schemeClr val="dk1">
+              <a:hueOff val="0"/>
+              <a:satOff val="0"/>
+              <a:lumOff val="0"/>
+              <a:alphaOff val="0"/>
+            </a:schemeClr>
+          </a:fontRef>
+        </p:style>
+        <p:txBody>
+          <a:bodyPr spcFirstLastPara="0" vert="horz" wrap="square" lIns="142240" tIns="12700" rIns="12700" bIns="12700" numCol="1" spcCol="1270" anchor="ctr" anchorCtr="0">
+            <a:noAutofit/>
+          </a:bodyPr>
+          <a:lstStyle/>
+          <a:p>
+            <a:pPr marL="0" lvl="1" defTabSz="889000">
+              <a:lnSpc>
+                <a:spcPct val="90000"/>
+              </a:lnSpc>
+              <a:spcAft>
+                <a:spcPct val="15000"/>
+              </a:spcAft>
+            </a:pPr>
+            <a:r>
+              <a:rPr lang="en-US" altLang="ja-JP" dirty="0">
+                <a:latin typeface="Yu Gothic UI" panose="020B0500000000000000" pitchFamily="50" charset="-128"/>
+                <a:ea typeface="Yu Gothic UI" panose="020B0500000000000000" pitchFamily="50" charset="-128"/>
+              </a:rPr>
+              <a:t>※ </a:t>
+            </a:r>
+            <a:r>
+              <a:rPr lang="ja-JP" altLang="en-US" dirty="0">
+                <a:latin typeface="Yu Gothic UI" panose="020B0500000000000000" pitchFamily="50" charset="-128"/>
+                <a:ea typeface="Yu Gothic UI" panose="020B0500000000000000" pitchFamily="50" charset="-128"/>
+              </a:rPr>
+              <a:t>事前準備として、特定機能に関連する仕様書を収集</a:t>
+            </a:r>
+          </a:p>
+        </p:txBody>
+      </p:sp>
+    </p:spTree>
+    <p:extLst>
+      <p:ext uri="{BB962C8B-B14F-4D97-AF65-F5344CB8AC3E}">
+        <p14:creationId xmlns:p14="http://schemas.microsoft.com/office/powerpoint/2010/main" val="1704530134"/>
+      </p:ext>
+    </p:extLst>
+  </p:cSld>
+  <p:clrMapOvr>
+    <a:masterClrMapping/>
+  </p:clrMapOvr>
+</p:sld>
+</file>
+
+<file path=ppt/slides/slide2.xml><?xml version="1.0" encoding="utf-8"?>
+<p:sld xmlns:a="http://schemas.openxmlformats.org/drawingml/2006/main" xmlns:r="http://schemas.openxmlformats.org/officeDocument/2006/relationships" xmlns:p="http://schemas.openxmlformats.org/presentationml/2006/main">
+  <p:cSld>
+    <p:spTree>
+      <p:nvGrpSpPr>
+        <p:cNvPr id="1" name=""/>
+        <p:cNvGrpSpPr/>
+        <p:nvPr/>
+      </p:nvGrpSpPr>
+      <p:grpSpPr>
+        <a:xfrm>
+          <a:off x="0" y="0"/>
+          <a:ext cx="0" cy="0"/>
+          <a:chOff x="0" y="0"/>
+          <a:chExt cx="0" cy="0"/>
+        </a:xfrm>
+      </p:grpSpPr>
+      <p:sp>
+        <p:nvSpPr>
+          <p:cNvPr id="2" name="タイトル 1">
+            <a:extLst>
+              <a:ext uri="{FF2B5EF4-FFF2-40B4-BE49-F238E27FC236}">
+                <a16:creationId xmlns:a16="http://schemas.microsoft.com/office/drawing/2014/main" id="{D93A9A87-5077-0C0B-3338-DC38BEC2D4E2}"/>
+              </a:ext>
+            </a:extLst>
+          </p:cNvPr>
+          <p:cNvSpPr>
+            <a:spLocks noGrp="1"/>
+          </p:cNvSpPr>
+          <p:nvPr>
+            <p:ph type="title"/>
+          </p:nvPr>
+        </p:nvSpPr>
+        <p:spPr/>
+        <p:txBody>
+          <a:bodyPr/>
+          <a:lstStyle/>
+          <a:p>
+            <a:r>
+              <a:rPr kumimoji="1" lang="ja-JP" altLang="en-US" dirty="0"/>
+              <a:t>現在の課題：カテゴリの誤認</a:t>
+            </a:r>
+          </a:p>
+        </p:txBody>
+      </p:sp>
+      <p:sp>
+        <p:nvSpPr>
+          <p:cNvPr id="3" name="コンテンツ プレースホルダー 2">
+            <a:extLst>
+              <a:ext uri="{FF2B5EF4-FFF2-40B4-BE49-F238E27FC236}">
+                <a16:creationId xmlns:a16="http://schemas.microsoft.com/office/drawing/2014/main" id="{37308A07-7EA5-13F5-DA68-4190EF6F7905}"/>
+              </a:ext>
+            </a:extLst>
+          </p:cNvPr>
+          <p:cNvSpPr>
+            <a:spLocks noGrp="1"/>
+          </p:cNvSpPr>
+          <p:nvPr>
+            <p:ph idx="1"/>
+          </p:nvPr>
+        </p:nvSpPr>
+        <p:spPr/>
+        <p:txBody>
+          <a:bodyPr/>
+          <a:lstStyle/>
+          <a:p>
+            <a:r>
+              <a:rPr lang="ja-JP" altLang="en-US" dirty="0">
+                <a:latin typeface="Yu Gothic UI" panose="020B0500000000000000" pitchFamily="50" charset="-128"/>
+                <a:ea typeface="Yu Gothic UI" panose="020B0500000000000000" pitchFamily="50" charset="-128"/>
+              </a:rPr>
+              <a:t>課題</a:t>
+            </a:r>
+            <a:endParaRPr lang="en-US" altLang="ja-JP" dirty="0">
+              <a:latin typeface="Yu Gothic UI" panose="020B0500000000000000" pitchFamily="50" charset="-128"/>
+              <a:ea typeface="Yu Gothic UI" panose="020B0500000000000000" pitchFamily="50" charset="-128"/>
+            </a:endParaRPr>
+          </a:p>
+          <a:p>
+            <a:pPr lvl="1"/>
+            <a:r>
+              <a:rPr lang="en-US" altLang="ja-JP" dirty="0">
+                <a:latin typeface="Yu Gothic UI" panose="020B0500000000000000" pitchFamily="50" charset="-128"/>
+                <a:ea typeface="Yu Gothic UI" panose="020B0500000000000000" pitchFamily="50" charset="-128"/>
+              </a:rPr>
+              <a:t>Extract(</a:t>
+            </a:r>
+            <a:r>
+              <a:rPr lang="ja-JP" altLang="en-US" dirty="0">
+                <a:latin typeface="Yu Gothic UI" panose="020B0500000000000000" pitchFamily="50" charset="-128"/>
+                <a:ea typeface="Yu Gothic UI" panose="020B0500000000000000" pitchFamily="50" charset="-128"/>
+              </a:rPr>
+              <a:t>抽出</a:t>
+            </a:r>
+            <a:r>
+              <a:rPr lang="en-US" altLang="ja-JP" dirty="0">
+                <a:latin typeface="Yu Gothic UI" panose="020B0500000000000000" pitchFamily="50" charset="-128"/>
+                <a:ea typeface="Yu Gothic UI" panose="020B0500000000000000" pitchFamily="50" charset="-128"/>
+              </a:rPr>
+              <a:t>)</a:t>
+            </a:r>
+            <a:r>
+              <a:rPr lang="ja-JP" altLang="en-US" dirty="0">
+                <a:latin typeface="Yu Gothic UI" panose="020B0500000000000000" pitchFamily="50" charset="-128"/>
+                <a:ea typeface="Yu Gothic UI" panose="020B0500000000000000" pitchFamily="50" charset="-128"/>
+              </a:rPr>
+              <a:t>フェーズでは、</a:t>
+            </a:r>
+            <a:r>
+              <a:rPr lang="en-US" altLang="ja-JP" dirty="0">
+                <a:latin typeface="Yu Gothic UI" panose="020B0500000000000000" pitchFamily="50" charset="-128"/>
+                <a:ea typeface="Yu Gothic UI" panose="020B0500000000000000" pitchFamily="50" charset="-128"/>
+              </a:rPr>
+              <a:t>LLM </a:t>
+            </a:r>
+            <a:r>
+              <a:rPr lang="ja-JP" altLang="en-US" dirty="0">
+                <a:latin typeface="Yu Gothic UI" panose="020B0500000000000000" pitchFamily="50" charset="-128"/>
+                <a:ea typeface="Yu Gothic UI" panose="020B0500000000000000" pitchFamily="50" charset="-128"/>
+              </a:rPr>
+              <a:t>にその種類</a:t>
+            </a:r>
+            <a:r>
+              <a:rPr lang="en-US" altLang="ja-JP" dirty="0">
+                <a:latin typeface="Yu Gothic UI" panose="020B0500000000000000" pitchFamily="50" charset="-128"/>
+                <a:ea typeface="Yu Gothic UI" panose="020B0500000000000000" pitchFamily="50" charset="-128"/>
+              </a:rPr>
+              <a:t>(</a:t>
+            </a:r>
+            <a:r>
+              <a:rPr lang="ja-JP" altLang="en-US" dirty="0">
+                <a:latin typeface="Yu Gothic UI" panose="020B0500000000000000" pitchFamily="50" charset="-128"/>
+                <a:ea typeface="Yu Gothic UI" panose="020B0500000000000000" pitchFamily="50" charset="-128"/>
+              </a:rPr>
+              <a:t>カテゴリ</a:t>
+            </a:r>
+            <a:r>
+              <a:rPr lang="en-US" altLang="ja-JP" dirty="0">
+                <a:latin typeface="Yu Gothic UI" panose="020B0500000000000000" pitchFamily="50" charset="-128"/>
+                <a:ea typeface="Yu Gothic UI" panose="020B0500000000000000" pitchFamily="50" charset="-128"/>
+              </a:rPr>
+              <a:t>)</a:t>
+            </a:r>
+            <a:r>
+              <a:rPr lang="ja-JP" altLang="en-US" dirty="0">
+                <a:latin typeface="Yu Gothic UI" panose="020B0500000000000000" pitchFamily="50" charset="-128"/>
+                <a:ea typeface="Yu Gothic UI" panose="020B0500000000000000" pitchFamily="50" charset="-128"/>
+              </a:rPr>
+              <a:t> も判断させながら事実を抽出している</a:t>
+            </a:r>
+            <a:endParaRPr lang="en-US" altLang="ja-JP" dirty="0">
+              <a:latin typeface="Yu Gothic UI" panose="020B0500000000000000" pitchFamily="50" charset="-128"/>
+              <a:ea typeface="Yu Gothic UI" panose="020B0500000000000000" pitchFamily="50" charset="-128"/>
+            </a:endParaRPr>
+          </a:p>
+          <a:p>
+            <a:pPr lvl="2"/>
+            <a:r>
+              <a:rPr lang="ja-JP" altLang="en-US" dirty="0">
+                <a:latin typeface="Yu Gothic UI" panose="020B0500000000000000" pitchFamily="50" charset="-128"/>
+                <a:ea typeface="Yu Gothic UI" panose="020B0500000000000000" pitchFamily="50" charset="-128"/>
+              </a:rPr>
+              <a:t>例えば </a:t>
+            </a:r>
+            <a:r>
+              <a:rPr lang="en-US" altLang="ja-JP" dirty="0">
+                <a:latin typeface="Yu Gothic UI" panose="020B0500000000000000" pitchFamily="50" charset="-128"/>
+                <a:ea typeface="Yu Gothic UI" panose="020B0500000000000000" pitchFamily="50" charset="-128"/>
+              </a:rPr>
+              <a:t>&lt;</a:t>
+            </a:r>
+            <a:r>
+              <a:rPr lang="ja-JP" altLang="en-US" dirty="0">
+                <a:latin typeface="Yu Gothic UI" panose="020B0500000000000000" pitchFamily="50" charset="-128"/>
+                <a:ea typeface="Yu Gothic UI" panose="020B0500000000000000" pitchFamily="50" charset="-128"/>
+              </a:rPr>
+              <a:t>構成要素</a:t>
+            </a:r>
+            <a:r>
+              <a:rPr lang="en-US" altLang="ja-JP" dirty="0">
+                <a:latin typeface="Yu Gothic UI" panose="020B0500000000000000" pitchFamily="50" charset="-128"/>
+                <a:ea typeface="Yu Gothic UI" panose="020B0500000000000000" pitchFamily="50" charset="-128"/>
+              </a:rPr>
+              <a:t>&gt;</a:t>
+            </a:r>
+            <a:r>
+              <a:rPr lang="ja-JP" altLang="en-US" dirty="0">
+                <a:latin typeface="Yu Gothic UI" panose="020B0500000000000000" pitchFamily="50" charset="-128"/>
+                <a:ea typeface="Yu Gothic UI" panose="020B0500000000000000" pitchFamily="50" charset="-128"/>
+              </a:rPr>
+              <a:t>に関する事実、</a:t>
+            </a:r>
+            <a:r>
+              <a:rPr lang="en-US" altLang="ja-JP" dirty="0">
+                <a:latin typeface="Yu Gothic UI" panose="020B0500000000000000" pitchFamily="50" charset="-128"/>
+                <a:ea typeface="Yu Gothic UI" panose="020B0500000000000000" pitchFamily="50" charset="-128"/>
+              </a:rPr>
+              <a:t>&lt;</a:t>
+            </a:r>
+            <a:r>
+              <a:rPr lang="ja-JP" altLang="en-US" dirty="0">
+                <a:latin typeface="Yu Gothic UI" panose="020B0500000000000000" pitchFamily="50" charset="-128"/>
+                <a:ea typeface="Yu Gothic UI" panose="020B0500000000000000" pitchFamily="50" charset="-128"/>
+              </a:rPr>
+              <a:t>データ構造</a:t>
+            </a:r>
+            <a:r>
+              <a:rPr lang="en-US" altLang="ja-JP" dirty="0">
+                <a:latin typeface="Yu Gothic UI" panose="020B0500000000000000" pitchFamily="50" charset="-128"/>
+                <a:ea typeface="Yu Gothic UI" panose="020B0500000000000000" pitchFamily="50" charset="-128"/>
+              </a:rPr>
+              <a:t>&gt;</a:t>
+            </a:r>
+            <a:r>
+              <a:rPr lang="ja-JP" altLang="en-US" dirty="0">
+                <a:latin typeface="Yu Gothic UI" panose="020B0500000000000000" pitchFamily="50" charset="-128"/>
+                <a:ea typeface="Yu Gothic UI" panose="020B0500000000000000" pitchFamily="50" charset="-128"/>
+              </a:rPr>
+              <a:t>に関する事実、</a:t>
+            </a:r>
+            <a:r>
+              <a:rPr lang="en-US" altLang="ja-JP" dirty="0">
+                <a:latin typeface="Yu Gothic UI" panose="020B0500000000000000" pitchFamily="50" charset="-128"/>
+                <a:ea typeface="Yu Gothic UI" panose="020B0500000000000000" pitchFamily="50" charset="-128"/>
+              </a:rPr>
+              <a:t>&lt;</a:t>
+            </a:r>
+            <a:r>
+              <a:rPr lang="ja-JP" altLang="en-US" dirty="0">
+                <a:latin typeface="Yu Gothic UI" panose="020B0500000000000000" pitchFamily="50" charset="-128"/>
+                <a:ea typeface="Yu Gothic UI" panose="020B0500000000000000" pitchFamily="50" charset="-128"/>
+              </a:rPr>
+              <a:t>振舞い</a:t>
+            </a:r>
+            <a:r>
+              <a:rPr lang="en-US" altLang="ja-JP" dirty="0">
+                <a:latin typeface="Yu Gothic UI" panose="020B0500000000000000" pitchFamily="50" charset="-128"/>
+                <a:ea typeface="Yu Gothic UI" panose="020B0500000000000000" pitchFamily="50" charset="-128"/>
+              </a:rPr>
+              <a:t>&gt;</a:t>
+            </a:r>
+            <a:r>
+              <a:rPr lang="ja-JP" altLang="en-US" dirty="0">
+                <a:latin typeface="Yu Gothic UI" panose="020B0500000000000000" pitchFamily="50" charset="-128"/>
+                <a:ea typeface="Yu Gothic UI" panose="020B0500000000000000" pitchFamily="50" charset="-128"/>
+              </a:rPr>
+              <a:t>に関する事実、</a:t>
+            </a:r>
+            <a:r>
+              <a:rPr lang="en-US" altLang="ja-JP" dirty="0">
+                <a:latin typeface="Yu Gothic UI" panose="020B0500000000000000" pitchFamily="50" charset="-128"/>
+                <a:ea typeface="Yu Gothic UI" panose="020B0500000000000000" pitchFamily="50" charset="-128"/>
+              </a:rPr>
+              <a:t>...</a:t>
+            </a:r>
+          </a:p>
+          <a:p>
+            <a:pPr lvl="2"/>
+            <a:endParaRPr lang="en-US" altLang="ja-JP" sz="800" dirty="0">
+              <a:latin typeface="Yu Gothic UI" panose="020B0500000000000000" pitchFamily="50" charset="-128"/>
+              <a:ea typeface="Yu Gothic UI" panose="020B0500000000000000" pitchFamily="50" charset="-128"/>
+            </a:endParaRPr>
+          </a:p>
+          <a:p>
+            <a:pPr lvl="1"/>
+            <a:r>
+              <a:rPr lang="ja-JP" altLang="en-US" dirty="0">
+                <a:latin typeface="Yu Gothic UI" panose="020B0500000000000000" pitchFamily="50" charset="-128"/>
+                <a:ea typeface="Yu Gothic UI" panose="020B0500000000000000" pitchFamily="50" charset="-128"/>
+              </a:rPr>
+              <a:t>単に「カテゴリを判断しながら事実を抜き出せ」だと、その段階で </a:t>
+            </a:r>
+            <a:r>
+              <a:rPr lang="en-US" altLang="ja-JP" dirty="0">
+                <a:latin typeface="Yu Gothic UI" panose="020B0500000000000000" pitchFamily="50" charset="-128"/>
+                <a:ea typeface="Yu Gothic UI" panose="020B0500000000000000" pitchFamily="50" charset="-128"/>
+              </a:rPr>
+              <a:t>LLM </a:t>
+            </a:r>
+            <a:r>
+              <a:rPr lang="ja-JP" altLang="en-US" dirty="0">
+                <a:latin typeface="Yu Gothic UI" panose="020B0500000000000000" pitchFamily="50" charset="-128"/>
+                <a:ea typeface="Yu Gothic UI" panose="020B0500000000000000" pitchFamily="50" charset="-128"/>
+              </a:rPr>
+              <a:t>の </a:t>
+            </a:r>
+            <a:r>
+              <a:rPr lang="en-US" altLang="ja-JP" dirty="0">
+                <a:latin typeface="Yu Gothic UI" panose="020B0500000000000000" pitchFamily="50" charset="-128"/>
+                <a:ea typeface="Yu Gothic UI" panose="020B0500000000000000" pitchFamily="50" charset="-128"/>
+              </a:rPr>
+              <a:t>“</a:t>
+            </a:r>
+            <a:r>
+              <a:rPr lang="ja-JP" altLang="en-US" dirty="0">
+                <a:latin typeface="Yu Gothic UI" panose="020B0500000000000000" pitchFamily="50" charset="-128"/>
+                <a:ea typeface="Yu Gothic UI" panose="020B0500000000000000" pitchFamily="50" charset="-128"/>
+              </a:rPr>
+              <a:t>憶測</a:t>
+            </a:r>
+            <a:r>
+              <a:rPr lang="en-US" altLang="ja-JP" dirty="0">
+                <a:latin typeface="Yu Gothic UI" panose="020B0500000000000000" pitchFamily="50" charset="-128"/>
+                <a:ea typeface="Yu Gothic UI" panose="020B0500000000000000" pitchFamily="50" charset="-128"/>
+              </a:rPr>
+              <a:t>” </a:t>
+            </a:r>
+            <a:r>
+              <a:rPr lang="ja-JP" altLang="en-US" dirty="0">
+                <a:latin typeface="Yu Gothic UI" panose="020B0500000000000000" pitchFamily="50" charset="-128"/>
+                <a:ea typeface="Yu Gothic UI" panose="020B0500000000000000" pitchFamily="50" charset="-128"/>
+              </a:rPr>
+              <a:t>が入ってしまう</a:t>
+            </a:r>
+            <a:endParaRPr lang="en-US" altLang="ja-JP" dirty="0">
+              <a:latin typeface="Yu Gothic UI" panose="020B0500000000000000" pitchFamily="50" charset="-128"/>
+              <a:ea typeface="Yu Gothic UI" panose="020B0500000000000000" pitchFamily="50" charset="-128"/>
+            </a:endParaRPr>
+          </a:p>
+          <a:p>
+            <a:pPr lvl="2"/>
+            <a:r>
+              <a:rPr lang="ja-JP" altLang="en-US" dirty="0">
+                <a:latin typeface="Yu Gothic UI" panose="020B0500000000000000" pitchFamily="50" charset="-128"/>
+                <a:ea typeface="Yu Gothic UI" panose="020B0500000000000000" pitchFamily="50" charset="-128"/>
+              </a:rPr>
+              <a:t>例えば：</a:t>
+            </a:r>
+            <a:endParaRPr kumimoji="1" lang="ja-JP" altLang="en-US" dirty="0"/>
+          </a:p>
+        </p:txBody>
+      </p:sp>
+      <p:pic>
+        <p:nvPicPr>
+          <p:cNvPr id="5" name="図 4">
+            <a:extLst>
+              <a:ext uri="{FF2B5EF4-FFF2-40B4-BE49-F238E27FC236}">
+                <a16:creationId xmlns:a16="http://schemas.microsoft.com/office/drawing/2014/main" id="{7CDB694E-EAE5-52DA-EA50-916D4ABEA917}"/>
+              </a:ext>
+            </a:extLst>
+          </p:cNvPr>
+          <p:cNvPicPr>
+            <a:picLocks noChangeAspect="1" noChangeArrowheads="1"/>
+          </p:cNvPicPr>
+          <p:nvPr/>
+        </p:nvPicPr>
+        <p:blipFill>
+          <a:blip r:embed="rId2">
+            <a:extLst>
+              <a:ext uri="{28A0092B-C50C-407E-A947-70E740481C1C}">
+                <a14:useLocalDpi xmlns:a14="http://schemas.microsoft.com/office/drawing/2010/main" val="0"/>
+              </a:ext>
+            </a:extLst>
+          </a:blip>
+          <a:srcRect/>
+          <a:stretch>
+            <a:fillRect/>
+          </a:stretch>
+        </p:blipFill>
+        <p:spPr bwMode="auto">
+          <a:xfrm>
+            <a:off x="791188" y="3996451"/>
+            <a:ext cx="5705475" cy="1476375"/>
+          </a:xfrm>
+          <a:prstGeom prst="rect">
+            <a:avLst/>
+          </a:prstGeom>
+          <a:noFill/>
+          <a:extLst>
+            <a:ext uri="{909E8E84-426E-40DD-AFC4-6F175D3DCCD1}">
+              <a14:hiddenFill xmlns:a14="http://schemas.microsoft.com/office/drawing/2010/main">
+                <a:solidFill>
+                  <a:srgbClr val="FFFFFF"/>
+                </a:solidFill>
+              </a14:hiddenFill>
+            </a:ext>
+          </a:extLst>
+        </p:spPr>
+      </p:pic>
+      <p:sp>
+        <p:nvSpPr>
+          <p:cNvPr id="4" name="テキスト ボックス 3">
+            <a:extLst>
+              <a:ext uri="{FF2B5EF4-FFF2-40B4-BE49-F238E27FC236}">
+                <a16:creationId xmlns:a16="http://schemas.microsoft.com/office/drawing/2014/main" id="{99DDB992-9BDF-9241-D67C-19932EDCA870}"/>
+              </a:ext>
+            </a:extLst>
+          </p:cNvPr>
+          <p:cNvSpPr txBox="1"/>
+          <p:nvPr/>
+        </p:nvSpPr>
+        <p:spPr>
+          <a:xfrm>
+            <a:off x="7489738" y="3699735"/>
+            <a:ext cx="4246675" cy="1892826"/>
+          </a:xfrm>
+          <a:prstGeom prst="rect">
+            <a:avLst/>
+          </a:prstGeom>
+          <a:noFill/>
+          <a:ln>
+            <a:solidFill>
+              <a:schemeClr val="bg1">
+                <a:lumMod val="65000"/>
+              </a:schemeClr>
+            </a:solidFill>
+            <a:prstDash val="dash"/>
+          </a:ln>
+        </p:spPr>
+        <p:txBody>
+          <a:bodyPr wrap="none" rtlCol="0">
+            <a:spAutoFit/>
+          </a:bodyPr>
+          <a:lstStyle/>
+          <a:p>
+            <a:r>
+              <a:rPr kumimoji="1" lang="en-US" altLang="ja-JP" sz="900" dirty="0">
+                <a:latin typeface="Yu Gothic UI" panose="020B0500000000000000" pitchFamily="50" charset="-128"/>
+                <a:ea typeface="Yu Gothic UI" panose="020B0500000000000000" pitchFamily="50" charset="-128"/>
+              </a:rPr>
+              <a:t>{</a:t>
+            </a:r>
+            <a:r>
+              <a:rPr kumimoji="1" lang="en-US" altLang="ja-JP" sz="900" dirty="0" err="1">
+                <a:latin typeface="Yu Gothic UI" panose="020B0500000000000000" pitchFamily="50" charset="-128"/>
+                <a:ea typeface="Yu Gothic UI" panose="020B0500000000000000" pitchFamily="50" charset="-128"/>
+              </a:rPr>
+              <a:t>file_name</a:t>
+            </a:r>
+            <a:r>
+              <a:rPr kumimoji="1" lang="en-US" altLang="ja-JP" sz="900" dirty="0">
+                <a:latin typeface="Yu Gothic UI" panose="020B0500000000000000" pitchFamily="50" charset="-128"/>
+                <a:ea typeface="Yu Gothic UI" panose="020B0500000000000000" pitchFamily="50" charset="-128"/>
+              </a:rPr>
+              <a:t>: “01_</a:t>
+            </a:r>
+            <a:r>
+              <a:rPr kumimoji="1" lang="ja-JP" altLang="en-US" sz="900" dirty="0">
+                <a:latin typeface="Yu Gothic UI" panose="020B0500000000000000" pitchFamily="50" charset="-128"/>
+                <a:ea typeface="Yu Gothic UI" panose="020B0500000000000000" pitchFamily="50" charset="-128"/>
+              </a:rPr>
+              <a:t>機能仕様</a:t>
+            </a:r>
+            <a:r>
+              <a:rPr kumimoji="1" lang="en-US" altLang="ja-JP" sz="900" dirty="0">
+                <a:latin typeface="Yu Gothic UI" panose="020B0500000000000000" pitchFamily="50" charset="-128"/>
+                <a:ea typeface="Yu Gothic UI" panose="020B0500000000000000" pitchFamily="50" charset="-128"/>
+              </a:rPr>
+              <a:t>_C</a:t>
+            </a:r>
+            <a:r>
+              <a:rPr kumimoji="1" lang="ja-JP" altLang="en-US" sz="900" dirty="0">
+                <a:latin typeface="Yu Gothic UI" panose="020B0500000000000000" pitchFamily="50" charset="-128"/>
+                <a:ea typeface="Yu Gothic UI" panose="020B0500000000000000" pitchFamily="50" charset="-128"/>
+              </a:rPr>
+              <a:t>型補正値ファイル生成機能</a:t>
+            </a:r>
+            <a:r>
+              <a:rPr kumimoji="1" lang="en-US" altLang="ja-JP" sz="900" dirty="0">
+                <a:latin typeface="Yu Gothic UI" panose="020B0500000000000000" pitchFamily="50" charset="-128"/>
+                <a:ea typeface="Yu Gothic UI" panose="020B0500000000000000" pitchFamily="50" charset="-128"/>
+              </a:rPr>
+              <a:t>_</a:t>
+            </a:r>
+            <a:r>
+              <a:rPr kumimoji="1" lang="ja-JP" altLang="en-US" sz="900" dirty="0">
+                <a:latin typeface="Yu Gothic UI" panose="020B0500000000000000" pitchFamily="50" charset="-128"/>
+                <a:ea typeface="Yu Gothic UI" panose="020B0500000000000000" pitchFamily="50" charset="-128"/>
+              </a:rPr>
+              <a:t>最適化定型処理</a:t>
+            </a:r>
+            <a:r>
+              <a:rPr kumimoji="1" lang="en-US" altLang="ja-JP" sz="900" dirty="0">
+                <a:latin typeface="Yu Gothic UI" panose="020B0500000000000000" pitchFamily="50" charset="-128"/>
+                <a:ea typeface="Yu Gothic UI" panose="020B0500000000000000" pitchFamily="50" charset="-128"/>
+              </a:rPr>
+              <a:t>.xlsx”,</a:t>
+            </a:r>
+          </a:p>
+          <a:p>
+            <a:r>
+              <a:rPr lang="en-US" altLang="ja-JP" sz="900" dirty="0">
+                <a:latin typeface="Yu Gothic UI" panose="020B0500000000000000" pitchFamily="50" charset="-128"/>
+                <a:ea typeface="Yu Gothic UI" panose="020B0500000000000000" pitchFamily="50" charset="-128"/>
+              </a:rPr>
+              <a:t> </a:t>
+            </a:r>
+            <a:r>
+              <a:rPr lang="en-US" altLang="ja-JP" sz="900" dirty="0" err="1">
+                <a:latin typeface="Yu Gothic UI" panose="020B0500000000000000" pitchFamily="50" charset="-128"/>
+                <a:ea typeface="Yu Gothic UI" panose="020B0500000000000000" pitchFamily="50" charset="-128"/>
+              </a:rPr>
+              <a:t>section_name</a:t>
+            </a:r>
+            <a:r>
+              <a:rPr lang="en-US" altLang="ja-JP" sz="900" dirty="0">
+                <a:latin typeface="Yu Gothic UI" panose="020B0500000000000000" pitchFamily="50" charset="-128"/>
+                <a:ea typeface="Yu Gothic UI" panose="020B0500000000000000" pitchFamily="50" charset="-128"/>
+              </a:rPr>
+              <a:t>”: “&lt;&lt;</a:t>
+            </a:r>
+            <a:r>
+              <a:rPr lang="ja-JP" altLang="en-US" sz="900" dirty="0">
+                <a:latin typeface="Yu Gothic UI" panose="020B0500000000000000" pitchFamily="50" charset="-128"/>
+                <a:ea typeface="Yu Gothic UI" panose="020B0500000000000000" pitchFamily="50" charset="-128"/>
+              </a:rPr>
+              <a:t>仕様</a:t>
+            </a:r>
+            <a:r>
+              <a:rPr lang="en-US" altLang="ja-JP" sz="900" dirty="0">
+                <a:latin typeface="Yu Gothic UI" panose="020B0500000000000000" pitchFamily="50" charset="-128"/>
+                <a:ea typeface="Yu Gothic UI" panose="020B0500000000000000" pitchFamily="50" charset="-128"/>
+              </a:rPr>
+              <a:t>&gt;&gt;</a:t>
+            </a:r>
+            <a:r>
+              <a:rPr lang="ja-JP" altLang="en-US" sz="900" dirty="0">
+                <a:latin typeface="Yu Gothic UI" panose="020B0500000000000000" pitchFamily="50" charset="-128"/>
+                <a:ea typeface="Yu Gothic UI" panose="020B0500000000000000" pitchFamily="50" charset="-128"/>
+              </a:rPr>
+              <a:t>定型最適化</a:t>
+            </a:r>
+            <a:r>
+              <a:rPr lang="en-US" altLang="ja-JP" sz="900" dirty="0">
+                <a:latin typeface="Yu Gothic UI" panose="020B0500000000000000" pitchFamily="50" charset="-128"/>
+                <a:ea typeface="Yu Gothic UI" panose="020B0500000000000000" pitchFamily="50" charset="-128"/>
+              </a:rPr>
+              <a:t>”,</a:t>
+            </a:r>
+          </a:p>
+          <a:p>
+            <a:r>
+              <a:rPr kumimoji="1" lang="en-US" altLang="ja-JP" sz="900" dirty="0">
+                <a:latin typeface="Yu Gothic UI" panose="020B0500000000000000" pitchFamily="50" charset="-128"/>
+                <a:ea typeface="Yu Gothic UI" panose="020B0500000000000000" pitchFamily="50" charset="-128"/>
+              </a:rPr>
+              <a:t> </a:t>
+            </a:r>
+            <a:r>
+              <a:rPr lang="en-US" altLang="ja-JP" sz="900" dirty="0">
+                <a:latin typeface="Yu Gothic UI" panose="020B0500000000000000" pitchFamily="50" charset="-128"/>
+                <a:ea typeface="Yu Gothic UI" panose="020B0500000000000000" pitchFamily="50" charset="-128"/>
+              </a:rPr>
+              <a:t>category: “</a:t>
+            </a:r>
+            <a:r>
+              <a:rPr lang="en-US" altLang="ja-JP" sz="900" dirty="0">
+                <a:solidFill>
+                  <a:srgbClr val="FF0000"/>
+                </a:solidFill>
+                <a:latin typeface="Yu Gothic UI" panose="020B0500000000000000" pitchFamily="50" charset="-128"/>
+                <a:ea typeface="Yu Gothic UI" panose="020B0500000000000000" pitchFamily="50" charset="-128"/>
+              </a:rPr>
+              <a:t>structure</a:t>
+            </a:r>
+            <a:r>
+              <a:rPr lang="en-US" altLang="ja-JP" sz="900" dirty="0">
+                <a:latin typeface="Yu Gothic UI" panose="020B0500000000000000" pitchFamily="50" charset="-128"/>
+                <a:ea typeface="Yu Gothic UI" panose="020B0500000000000000" pitchFamily="50" charset="-128"/>
+              </a:rPr>
+              <a:t>”,</a:t>
+            </a:r>
+          </a:p>
+          <a:p>
+            <a:r>
+              <a:rPr kumimoji="1" lang="en-US" altLang="ja-JP" sz="900" dirty="0">
+                <a:latin typeface="Yu Gothic UI" panose="020B0500000000000000" pitchFamily="50" charset="-128"/>
+                <a:ea typeface="Yu Gothic UI" panose="020B0500000000000000" pitchFamily="50" charset="-128"/>
+              </a:rPr>
+              <a:t> </a:t>
+            </a:r>
+            <a:r>
+              <a:rPr lang="en-US" altLang="ja-JP" sz="900" dirty="0" err="1">
+                <a:latin typeface="Yu Gothic UI" panose="020B0500000000000000" pitchFamily="50" charset="-128"/>
+                <a:ea typeface="Yu Gothic UI" panose="020B0500000000000000" pitchFamily="50" charset="-128"/>
+              </a:rPr>
+              <a:t>fact_cards</a:t>
+            </a:r>
+            <a:r>
+              <a:rPr lang="en-US" altLang="ja-JP" sz="900" dirty="0">
+                <a:latin typeface="Yu Gothic UI" panose="020B0500000000000000" pitchFamily="50" charset="-128"/>
+                <a:ea typeface="Yu Gothic UI" panose="020B0500000000000000" pitchFamily="50" charset="-128"/>
+              </a:rPr>
+              <a:t>: [</a:t>
+            </a:r>
+          </a:p>
+          <a:p>
+            <a:r>
+              <a:rPr kumimoji="1" lang="en-US" altLang="ja-JP" sz="900" dirty="0">
+                <a:latin typeface="Yu Gothic UI" panose="020B0500000000000000" pitchFamily="50" charset="-128"/>
+                <a:ea typeface="Yu Gothic UI" panose="020B0500000000000000" pitchFamily="50" charset="-128"/>
+              </a:rPr>
+              <a:t>   { tag: “</a:t>
+            </a:r>
+            <a:r>
+              <a:rPr kumimoji="1" lang="ja-JP" altLang="en-US" sz="900" dirty="0">
+                <a:solidFill>
+                  <a:srgbClr val="FF0000"/>
+                </a:solidFill>
+                <a:latin typeface="Yu Gothic UI" panose="020B0500000000000000" pitchFamily="50" charset="-128"/>
+                <a:ea typeface="Yu Gothic UI" panose="020B0500000000000000" pitchFamily="50" charset="-128"/>
+              </a:rPr>
+              <a:t>構成要素</a:t>
+            </a:r>
+            <a:r>
+              <a:rPr kumimoji="1" lang="en-US" altLang="ja-JP" sz="900" dirty="0">
+                <a:latin typeface="Yu Gothic UI" panose="020B0500000000000000" pitchFamily="50" charset="-128"/>
+                <a:ea typeface="Yu Gothic UI" panose="020B0500000000000000" pitchFamily="50" charset="-128"/>
+              </a:rPr>
+              <a:t>”,</a:t>
+            </a:r>
+          </a:p>
+          <a:p>
+            <a:r>
+              <a:rPr lang="en-US" altLang="ja-JP" sz="900" dirty="0">
+                <a:latin typeface="Yu Gothic UI" panose="020B0500000000000000" pitchFamily="50" charset="-128"/>
+                <a:ea typeface="Yu Gothic UI" panose="020B0500000000000000" pitchFamily="50" charset="-128"/>
+              </a:rPr>
+              <a:t>      content: “C</a:t>
+            </a:r>
+            <a:r>
+              <a:rPr lang="ja-JP" altLang="en-US" sz="900" dirty="0">
+                <a:latin typeface="Yu Gothic UI" panose="020B0500000000000000" pitchFamily="50" charset="-128"/>
+                <a:ea typeface="Yu Gothic UI" panose="020B0500000000000000" pitchFamily="50" charset="-128"/>
+              </a:rPr>
+              <a:t>型補正値ファイル生成機能は「</a:t>
+            </a:r>
+            <a:r>
+              <a:rPr lang="en-US" altLang="ja-JP" sz="900" dirty="0">
+                <a:latin typeface="Yu Gothic UI" panose="020B0500000000000000" pitchFamily="50" charset="-128"/>
+                <a:ea typeface="Yu Gothic UI" panose="020B0500000000000000" pitchFamily="50" charset="-128"/>
+              </a:rPr>
+              <a:t>C</a:t>
+            </a:r>
+            <a:r>
+              <a:rPr lang="ja-JP" altLang="en-US" sz="900" dirty="0">
+                <a:latin typeface="Yu Gothic UI" panose="020B0500000000000000" pitchFamily="50" charset="-128"/>
+                <a:ea typeface="Yu Gothic UI" panose="020B0500000000000000" pitchFamily="50" charset="-128"/>
+              </a:rPr>
+              <a:t>型補正値ファイル生成」処理を含む</a:t>
+            </a:r>
+            <a:r>
+              <a:rPr lang="en-US" altLang="ja-JP" sz="900" dirty="0">
+                <a:latin typeface="Yu Gothic UI" panose="020B0500000000000000" pitchFamily="50" charset="-128"/>
+                <a:ea typeface="Yu Gothic UI" panose="020B0500000000000000" pitchFamily="50" charset="-128"/>
+              </a:rPr>
+              <a:t>”,</a:t>
+            </a:r>
+          </a:p>
+          <a:p>
+            <a:r>
+              <a:rPr kumimoji="1" lang="en-US" altLang="ja-JP" sz="900" dirty="0">
+                <a:latin typeface="Yu Gothic UI" panose="020B0500000000000000" pitchFamily="50" charset="-128"/>
+                <a:ea typeface="Yu Gothic UI" panose="020B0500000000000000" pitchFamily="50" charset="-128"/>
+              </a:rPr>
+              <a:t>   },</a:t>
+            </a:r>
+          </a:p>
+          <a:p>
+            <a:r>
+              <a:rPr lang="en-US" altLang="ja-JP" sz="900" dirty="0">
+                <a:latin typeface="Yu Gothic UI" panose="020B0500000000000000" pitchFamily="50" charset="-128"/>
+                <a:ea typeface="Yu Gothic UI" panose="020B0500000000000000" pitchFamily="50" charset="-128"/>
+              </a:rPr>
+              <a:t>   { tag: “</a:t>
+            </a:r>
+            <a:r>
+              <a:rPr lang="ja-JP" altLang="en-US" sz="900" dirty="0">
+                <a:solidFill>
+                  <a:srgbClr val="FF0000"/>
+                </a:solidFill>
+                <a:latin typeface="Yu Gothic UI" panose="020B0500000000000000" pitchFamily="50" charset="-128"/>
+                <a:ea typeface="Yu Gothic UI" panose="020B0500000000000000" pitchFamily="50" charset="-128"/>
+              </a:rPr>
+              <a:t>構成要素</a:t>
+            </a:r>
+            <a:r>
+              <a:rPr lang="en-US" altLang="ja-JP" sz="900" dirty="0">
+                <a:latin typeface="Yu Gothic UI" panose="020B0500000000000000" pitchFamily="50" charset="-128"/>
+                <a:ea typeface="Yu Gothic UI" panose="020B0500000000000000" pitchFamily="50" charset="-128"/>
+              </a:rPr>
+              <a:t>”,</a:t>
+            </a:r>
+          </a:p>
+          <a:p>
+            <a:r>
+              <a:rPr kumimoji="1" lang="en-US" altLang="ja-JP" sz="900" dirty="0">
+                <a:latin typeface="Yu Gothic UI" panose="020B0500000000000000" pitchFamily="50" charset="-128"/>
+                <a:ea typeface="Yu Gothic UI" panose="020B0500000000000000" pitchFamily="50" charset="-128"/>
+              </a:rPr>
+              <a:t>      content: “</a:t>
+            </a:r>
+            <a:r>
+              <a:rPr kumimoji="1" lang="ja-JP" altLang="en-US" sz="900" dirty="0">
+                <a:latin typeface="Yu Gothic UI" panose="020B0500000000000000" pitchFamily="50" charset="-128"/>
+                <a:ea typeface="Yu Gothic UI" panose="020B0500000000000000" pitchFamily="50" charset="-128"/>
+              </a:rPr>
+              <a:t>露光ショット補正値計算本処理</a:t>
+            </a:r>
+            <a:r>
+              <a:rPr lang="ja-JP" altLang="en-US" sz="900" dirty="0">
+                <a:latin typeface="Yu Gothic UI" panose="020B0500000000000000" pitchFamily="50" charset="-128"/>
+                <a:ea typeface="Yu Gothic UI" panose="020B0500000000000000" pitchFamily="50" charset="-128"/>
+              </a:rPr>
+              <a:t>を含む</a:t>
+            </a:r>
+            <a:r>
+              <a:rPr lang="en-US" altLang="ja-JP" sz="900" dirty="0">
+                <a:latin typeface="Yu Gothic UI" panose="020B0500000000000000" pitchFamily="50" charset="-128"/>
+                <a:ea typeface="Yu Gothic UI" panose="020B0500000000000000" pitchFamily="50" charset="-128"/>
+              </a:rPr>
+              <a:t>”</a:t>
+            </a:r>
+          </a:p>
+          <a:p>
+            <a:r>
+              <a:rPr kumimoji="1" lang="en-US" altLang="ja-JP" sz="900" dirty="0">
+                <a:latin typeface="Yu Gothic UI" panose="020B0500000000000000" pitchFamily="50" charset="-128"/>
+                <a:ea typeface="Yu Gothic UI" panose="020B0500000000000000" pitchFamily="50" charset="-128"/>
+              </a:rPr>
+              <a:t>   </a:t>
+            </a:r>
+            <a:r>
+              <a:rPr lang="en-US" altLang="ja-JP" sz="900" dirty="0">
+                <a:latin typeface="Yu Gothic UI" panose="020B0500000000000000" pitchFamily="50" charset="-128"/>
+                <a:ea typeface="Yu Gothic UI" panose="020B0500000000000000" pitchFamily="50" charset="-128"/>
+              </a:rPr>
+              <a:t>},</a:t>
+            </a:r>
+          </a:p>
+          <a:p>
+            <a:r>
+              <a:rPr kumimoji="1" lang="en-US" altLang="ja-JP" sz="900" dirty="0">
+                <a:latin typeface="Yu Gothic UI" panose="020B0500000000000000" pitchFamily="50" charset="-128"/>
+                <a:ea typeface="Yu Gothic UI" panose="020B0500000000000000" pitchFamily="50" charset="-128"/>
+              </a:rPr>
+              <a:t>   ...</a:t>
+            </a:r>
+          </a:p>
+          <a:p>
+            <a:r>
+              <a:rPr lang="en-US" altLang="ja-JP" sz="900" dirty="0">
+                <a:latin typeface="Yu Gothic UI" panose="020B0500000000000000" pitchFamily="50" charset="-128"/>
+                <a:ea typeface="Yu Gothic UI" panose="020B0500000000000000" pitchFamily="50" charset="-128"/>
+              </a:rPr>
+              <a:t>   ]</a:t>
+            </a:r>
+          </a:p>
+          <a:p>
+            <a:r>
+              <a:rPr kumimoji="1" lang="en-US" altLang="ja-JP" sz="900" dirty="0">
+                <a:latin typeface="Yu Gothic UI" panose="020B0500000000000000" pitchFamily="50" charset="-128"/>
+                <a:ea typeface="Yu Gothic UI" panose="020B0500000000000000" pitchFamily="50" charset="-128"/>
+              </a:rPr>
+              <a:t>}</a:t>
+            </a:r>
+            <a:endParaRPr kumimoji="1" lang="ja-JP" altLang="en-US" sz="900" dirty="0">
+              <a:latin typeface="Yu Gothic UI" panose="020B0500000000000000" pitchFamily="50" charset="-128"/>
+              <a:ea typeface="Yu Gothic UI" panose="020B0500000000000000" pitchFamily="50" charset="-128"/>
+            </a:endParaRPr>
+          </a:p>
+        </p:txBody>
+      </p:sp>
+      <p:sp>
+        <p:nvSpPr>
+          <p:cNvPr id="6" name="テキスト ボックス 5">
+            <a:extLst>
+              <a:ext uri="{FF2B5EF4-FFF2-40B4-BE49-F238E27FC236}">
+                <a16:creationId xmlns:a16="http://schemas.microsoft.com/office/drawing/2014/main" id="{2EEC6B40-A9CE-DE28-EF46-2B778D786FDA}"/>
+              </a:ext>
+            </a:extLst>
+          </p:cNvPr>
+          <p:cNvSpPr txBox="1"/>
+          <p:nvPr/>
+        </p:nvSpPr>
+        <p:spPr>
+          <a:xfrm>
+            <a:off x="1509923" y="3305202"/>
+            <a:ext cx="4115229" cy="523220"/>
+          </a:xfrm>
+          <a:prstGeom prst="rect">
+            <a:avLst/>
+          </a:prstGeom>
+          <a:solidFill>
+            <a:schemeClr val="bg1">
+              <a:lumMod val="95000"/>
+            </a:schemeClr>
+          </a:solidFill>
+        </p:spPr>
+        <p:txBody>
+          <a:bodyPr wrap="none" rtlCol="0">
+            <a:spAutoFit/>
+          </a:bodyPr>
+          <a:lstStyle/>
+          <a:p>
+            <a:r>
+              <a:rPr lang="en-US" altLang="ja-JP" sz="1400" dirty="0">
+                <a:latin typeface="Yu Gothic UI" panose="020B0500000000000000" pitchFamily="50" charset="-128"/>
+                <a:ea typeface="Yu Gothic UI" panose="020B0500000000000000" pitchFamily="50" charset="-128"/>
+              </a:rPr>
+              <a:t>【C</a:t>
+            </a:r>
+            <a:r>
+              <a:rPr lang="ja-JP" altLang="en-US" sz="1400" dirty="0">
+                <a:latin typeface="Yu Gothic UI" panose="020B0500000000000000" pitchFamily="50" charset="-128"/>
+                <a:ea typeface="Yu Gothic UI" panose="020B0500000000000000" pitchFamily="50" charset="-128"/>
+              </a:rPr>
+              <a:t>型補正値ファイル生成機能</a:t>
+            </a:r>
+            <a:r>
+              <a:rPr lang="en-US" altLang="ja-JP" sz="1400" dirty="0">
+                <a:latin typeface="Yu Gothic UI" panose="020B0500000000000000" pitchFamily="50" charset="-128"/>
+                <a:ea typeface="Yu Gothic UI" panose="020B0500000000000000" pitchFamily="50" charset="-128"/>
+              </a:rPr>
+              <a:t>_</a:t>
+            </a:r>
+            <a:r>
+              <a:rPr lang="ja-JP" altLang="en-US" sz="1400" dirty="0">
+                <a:latin typeface="Yu Gothic UI" panose="020B0500000000000000" pitchFamily="50" charset="-128"/>
+                <a:ea typeface="Yu Gothic UI" panose="020B0500000000000000" pitchFamily="50" charset="-128"/>
+              </a:rPr>
+              <a:t>最適化定型処理</a:t>
+            </a:r>
+            <a:r>
+              <a:rPr lang="en-US" altLang="ja-JP" sz="1400" dirty="0">
+                <a:latin typeface="Yu Gothic UI" panose="020B0500000000000000" pitchFamily="50" charset="-128"/>
+                <a:ea typeface="Yu Gothic UI" panose="020B0500000000000000" pitchFamily="50" charset="-128"/>
+              </a:rPr>
+              <a:t>.xlsx】</a:t>
+            </a:r>
+          </a:p>
+          <a:p>
+            <a:r>
+              <a:rPr lang="en-US" altLang="ja-JP" sz="1400" dirty="0">
+                <a:latin typeface="Yu Gothic UI" panose="020B0500000000000000" pitchFamily="50" charset="-128"/>
+                <a:ea typeface="Yu Gothic UI" panose="020B0500000000000000" pitchFamily="50" charset="-128"/>
+              </a:rPr>
+              <a:t> - </a:t>
+            </a:r>
+            <a:r>
+              <a:rPr lang="ja-JP" altLang="en-US" sz="1400" dirty="0">
+                <a:latin typeface="Yu Gothic UI" panose="020B0500000000000000" pitchFamily="50" charset="-128"/>
+                <a:ea typeface="Yu Gothic UI" panose="020B0500000000000000" pitchFamily="50" charset="-128"/>
+              </a:rPr>
+              <a:t>「</a:t>
+            </a:r>
+            <a:r>
+              <a:rPr lang="en-US" altLang="ja-JP" sz="1400" dirty="0">
+                <a:latin typeface="Yu Gothic UI" panose="020B0500000000000000" pitchFamily="50" charset="-128"/>
+                <a:ea typeface="Yu Gothic UI" panose="020B0500000000000000" pitchFamily="50" charset="-128"/>
+              </a:rPr>
+              <a:t>&lt;&lt;</a:t>
+            </a:r>
+            <a:r>
+              <a:rPr lang="ja-JP" altLang="en-US" sz="1400" dirty="0">
+                <a:latin typeface="Yu Gothic UI" panose="020B0500000000000000" pitchFamily="50" charset="-128"/>
+                <a:ea typeface="Yu Gothic UI" panose="020B0500000000000000" pitchFamily="50" charset="-128"/>
+              </a:rPr>
+              <a:t>仕様</a:t>
+            </a:r>
+            <a:r>
+              <a:rPr lang="en-US" altLang="ja-JP" sz="1400" dirty="0">
+                <a:latin typeface="Yu Gothic UI" panose="020B0500000000000000" pitchFamily="50" charset="-128"/>
+                <a:ea typeface="Yu Gothic UI" panose="020B0500000000000000" pitchFamily="50" charset="-128"/>
+              </a:rPr>
+              <a:t>&gt;&gt;</a:t>
+            </a:r>
+            <a:r>
+              <a:rPr lang="ja-JP" altLang="en-US" sz="1400" dirty="0">
+                <a:latin typeface="Yu Gothic UI" panose="020B0500000000000000" pitchFamily="50" charset="-128"/>
+                <a:ea typeface="Yu Gothic UI" panose="020B0500000000000000" pitchFamily="50" charset="-128"/>
+              </a:rPr>
+              <a:t>定型最適化」シート</a:t>
+            </a:r>
+            <a:endParaRPr kumimoji="1" lang="ja-JP" altLang="en-US" sz="1400" dirty="0">
+              <a:latin typeface="Yu Gothic UI" panose="020B0500000000000000" pitchFamily="50" charset="-128"/>
+              <a:ea typeface="Yu Gothic UI" panose="020B0500000000000000" pitchFamily="50" charset="-128"/>
+            </a:endParaRPr>
+          </a:p>
+        </p:txBody>
+      </p:sp>
+      <p:sp>
+        <p:nvSpPr>
+          <p:cNvPr id="7" name="テキスト ボックス 6">
+            <a:extLst>
+              <a:ext uri="{FF2B5EF4-FFF2-40B4-BE49-F238E27FC236}">
+                <a16:creationId xmlns:a16="http://schemas.microsoft.com/office/drawing/2014/main" id="{EAAD4265-B7A2-644C-70D1-01774362CB29}"/>
+              </a:ext>
+            </a:extLst>
+          </p:cNvPr>
+          <p:cNvSpPr txBox="1"/>
+          <p:nvPr/>
+        </p:nvSpPr>
+        <p:spPr>
+          <a:xfrm>
+            <a:off x="8961294" y="3285538"/>
+            <a:ext cx="1303562" cy="307777"/>
+          </a:xfrm>
+          <a:prstGeom prst="rect">
+            <a:avLst/>
+          </a:prstGeom>
+          <a:solidFill>
+            <a:schemeClr val="bg1">
+              <a:lumMod val="95000"/>
+            </a:schemeClr>
+          </a:solidFill>
+        </p:spPr>
+        <p:txBody>
+          <a:bodyPr wrap="none" rtlCol="0">
+            <a:spAutoFit/>
+          </a:bodyPr>
+          <a:lstStyle/>
+          <a:p>
+            <a:r>
+              <a:rPr kumimoji="1" lang="ja-JP" altLang="en-US" sz="1400" dirty="0">
+                <a:latin typeface="Yu Gothic UI" panose="020B0500000000000000" pitchFamily="50" charset="-128"/>
+                <a:ea typeface="Yu Gothic UI" panose="020B0500000000000000" pitchFamily="50" charset="-128"/>
+              </a:rPr>
+              <a:t>抜き出した事実</a:t>
+            </a:r>
+          </a:p>
+        </p:txBody>
+      </p:sp>
+      <p:sp>
+        <p:nvSpPr>
+          <p:cNvPr id="8" name="テキスト ボックス 7">
+            <a:extLst>
+              <a:ext uri="{FF2B5EF4-FFF2-40B4-BE49-F238E27FC236}">
+                <a16:creationId xmlns:a16="http://schemas.microsoft.com/office/drawing/2014/main" id="{CFC91799-37BB-3C1F-3D6A-2D5FB3904A9D}"/>
+              </a:ext>
+            </a:extLst>
+          </p:cNvPr>
+          <p:cNvSpPr txBox="1"/>
+          <p:nvPr/>
+        </p:nvSpPr>
+        <p:spPr>
+          <a:xfrm>
+            <a:off x="8108611" y="5161940"/>
+            <a:ext cx="3455487" cy="276999"/>
+          </a:xfrm>
+          <a:prstGeom prst="rect">
+            <a:avLst/>
+          </a:prstGeom>
+          <a:solidFill>
+            <a:schemeClr val="accent2">
+              <a:lumMod val="20000"/>
+              <a:lumOff val="80000"/>
+            </a:schemeClr>
+          </a:solidFill>
+        </p:spPr>
+        <p:txBody>
+          <a:bodyPr wrap="square" rtlCol="0">
+            <a:spAutoFit/>
+          </a:bodyPr>
+          <a:lstStyle/>
+          <a:p>
+            <a:r>
+              <a:rPr kumimoji="1" lang="en-US" altLang="ja-JP" sz="1200" dirty="0">
+                <a:latin typeface="Yu Gothic UI" panose="020B0500000000000000" pitchFamily="50" charset="-128"/>
+                <a:ea typeface="Yu Gothic UI" panose="020B0500000000000000" pitchFamily="50" charset="-128"/>
+              </a:rPr>
+              <a:t>”</a:t>
+            </a:r>
+            <a:r>
+              <a:rPr kumimoji="1" lang="ja-JP" altLang="en-US" sz="1200" dirty="0">
+                <a:latin typeface="Yu Gothic UI" panose="020B0500000000000000" pitchFamily="50" charset="-128"/>
+                <a:ea typeface="Yu Gothic UI" panose="020B0500000000000000" pitchFamily="50" charset="-128"/>
+              </a:rPr>
+              <a:t>構造</a:t>
+            </a:r>
+            <a:r>
+              <a:rPr kumimoji="1" lang="en-US" altLang="ja-JP" sz="1200" dirty="0">
+                <a:latin typeface="Yu Gothic UI" panose="020B0500000000000000" pitchFamily="50" charset="-128"/>
+                <a:ea typeface="Yu Gothic UI" panose="020B0500000000000000" pitchFamily="50" charset="-128"/>
+              </a:rPr>
+              <a:t>”</a:t>
+            </a:r>
+            <a:r>
+              <a:rPr kumimoji="1" lang="ja-JP" altLang="en-US" sz="1200" dirty="0">
+                <a:latin typeface="Yu Gothic UI" panose="020B0500000000000000" pitchFamily="50" charset="-128"/>
+                <a:ea typeface="Yu Gothic UI" panose="020B0500000000000000" pitchFamily="50" charset="-128"/>
+              </a:rPr>
+              <a:t>に関する</a:t>
+            </a:r>
+            <a:r>
+              <a:rPr kumimoji="1" lang="en-US" altLang="ja-JP" sz="1200" dirty="0">
+                <a:latin typeface="Yu Gothic UI" panose="020B0500000000000000" pitchFamily="50" charset="-128"/>
+                <a:ea typeface="Yu Gothic UI" panose="020B0500000000000000" pitchFamily="50" charset="-128"/>
+              </a:rPr>
+              <a:t>”</a:t>
+            </a:r>
+            <a:r>
+              <a:rPr kumimoji="1" lang="ja-JP" altLang="en-US" sz="1200" dirty="0">
+                <a:latin typeface="Yu Gothic UI" panose="020B0500000000000000" pitchFamily="50" charset="-128"/>
+                <a:ea typeface="Yu Gothic UI" panose="020B0500000000000000" pitchFamily="50" charset="-128"/>
+              </a:rPr>
+              <a:t>構成要素</a:t>
+            </a:r>
+            <a:r>
+              <a:rPr kumimoji="1" lang="en-US" altLang="ja-JP" sz="1200" dirty="0">
+                <a:latin typeface="Yu Gothic UI" panose="020B0500000000000000" pitchFamily="50" charset="-128"/>
+                <a:ea typeface="Yu Gothic UI" panose="020B0500000000000000" pitchFamily="50" charset="-128"/>
+              </a:rPr>
+              <a:t>”</a:t>
+            </a:r>
+            <a:r>
+              <a:rPr kumimoji="1" lang="ja-JP" altLang="en-US" sz="1200" dirty="0">
+                <a:latin typeface="Yu Gothic UI" panose="020B0500000000000000" pitchFamily="50" charset="-128"/>
+                <a:ea typeface="Yu Gothic UI" panose="020B0500000000000000" pitchFamily="50" charset="-128"/>
+              </a:rPr>
+              <a:t>についての事実だと判断</a:t>
+            </a:r>
+            <a:r>
+              <a:rPr kumimoji="1" lang="en-US" altLang="ja-JP" sz="1200" dirty="0">
+                <a:latin typeface="Yu Gothic UI" panose="020B0500000000000000" pitchFamily="50" charset="-128"/>
+                <a:ea typeface="Yu Gothic UI" panose="020B0500000000000000" pitchFamily="50" charset="-128"/>
+              </a:rPr>
+              <a:t>...</a:t>
+            </a:r>
+            <a:endParaRPr kumimoji="1" lang="ja-JP" altLang="en-US" sz="1200" dirty="0">
+              <a:latin typeface="Yu Gothic UI" panose="020B0500000000000000" pitchFamily="50" charset="-128"/>
+              <a:ea typeface="Yu Gothic UI" panose="020B0500000000000000" pitchFamily="50" charset="-128"/>
+            </a:endParaRPr>
+          </a:p>
+        </p:txBody>
+      </p:sp>
+      <p:sp>
+        <p:nvSpPr>
+          <p:cNvPr id="9" name="矢印: 右 8">
+            <a:extLst>
+              <a:ext uri="{FF2B5EF4-FFF2-40B4-BE49-F238E27FC236}">
+                <a16:creationId xmlns:a16="http://schemas.microsoft.com/office/drawing/2014/main" id="{1C35E650-1478-80F7-A278-82F4D68C0D2C}"/>
+              </a:ext>
+            </a:extLst>
+          </p:cNvPr>
+          <p:cNvSpPr/>
+          <p:nvPr/>
+        </p:nvSpPr>
+        <p:spPr>
+          <a:xfrm>
+            <a:off x="6643754" y="4646148"/>
+            <a:ext cx="551803" cy="339674"/>
+          </a:xfrm>
+          <a:prstGeom prst="rightArrow">
+            <a:avLst/>
+          </a:prstGeom>
+          <a:solidFill>
+            <a:schemeClr val="bg1">
+              <a:lumMod val="65000"/>
+            </a:schemeClr>
+          </a:solidFill>
+          <a:ln w="9525">
+            <a:noFill/>
+          </a:ln>
+        </p:spPr>
+        <p:style>
+          <a:lnRef idx="2">
+            <a:schemeClr val="accent1">
+              <a:shade val="50000"/>
+            </a:schemeClr>
+          </a:lnRef>
+          <a:fillRef idx="1">
+            <a:schemeClr val="accent1"/>
+          </a:fillRef>
+          <a:effectRef idx="0">
+            <a:schemeClr val="accent1"/>
+          </a:effectRef>
+          <a:fontRef idx="minor">
+            <a:schemeClr val="lt1"/>
+          </a:fontRef>
+        </p:style>
+        <p:txBody>
+          <a:bodyPr lIns="36000" tIns="36000" rIns="36000" bIns="36000" rtlCol="0" anchor="ctr"/>
+          <a:lstStyle/>
+          <a:p>
+            <a:pPr algn="ctr"/>
+            <a:endParaRPr kumimoji="1" lang="ja-JP" altLang="en-US" sz="1400" dirty="0">
+              <a:solidFill>
+                <a:schemeClr val="tx1"/>
+              </a:solidFill>
+            </a:endParaRPr>
+          </a:p>
+        </p:txBody>
+      </p:sp>
+      <p:sp>
+        <p:nvSpPr>
+          <p:cNvPr id="10" name="テキスト ボックス 9">
+            <a:extLst>
+              <a:ext uri="{FF2B5EF4-FFF2-40B4-BE49-F238E27FC236}">
+                <a16:creationId xmlns:a16="http://schemas.microsoft.com/office/drawing/2014/main" id="{D82A3EDA-2477-624E-A07A-30CF4673F8A0}"/>
+              </a:ext>
+            </a:extLst>
+          </p:cNvPr>
+          <p:cNvSpPr txBox="1"/>
+          <p:nvPr/>
+        </p:nvSpPr>
+        <p:spPr>
+          <a:xfrm>
+            <a:off x="1001487" y="5786208"/>
+            <a:ext cx="10734926" cy="584775"/>
+          </a:xfrm>
+          <a:prstGeom prst="rect">
+            <a:avLst/>
+          </a:prstGeom>
+          <a:solidFill>
+            <a:schemeClr val="bg2">
+              <a:lumMod val="90000"/>
+            </a:schemeClr>
+          </a:solidFill>
+        </p:spPr>
+        <p:txBody>
+          <a:bodyPr wrap="square" rtlCol="0">
+            <a:spAutoFit/>
+          </a:bodyPr>
+          <a:lstStyle/>
+          <a:p>
+            <a:pPr marL="285750" indent="-285750">
+              <a:buFont typeface="Wingdings" panose="05000000000000000000" pitchFamily="2" charset="2"/>
+              <a:buChar char="è"/>
+            </a:pPr>
+            <a:r>
+              <a:rPr kumimoji="1" lang="ja-JP" altLang="en-US" sz="1600" dirty="0">
+                <a:latin typeface="Yu Gothic UI" panose="020B0500000000000000" pitchFamily="50" charset="-128"/>
+                <a:ea typeface="Yu Gothic UI" panose="020B0500000000000000" pitchFamily="50" charset="-128"/>
+                <a:sym typeface="Wingdings" panose="05000000000000000000" pitchFamily="2" charset="2"/>
+              </a:rPr>
+              <a:t>仕様書のファイルやシートについて、その役割や主な記載内容に関する情報を文脈</a:t>
+            </a:r>
+            <a:r>
+              <a:rPr kumimoji="1" lang="en-US" altLang="ja-JP" sz="1600" dirty="0">
+                <a:latin typeface="Yu Gothic UI" panose="020B0500000000000000" pitchFamily="50" charset="-128"/>
+                <a:ea typeface="Yu Gothic UI" panose="020B0500000000000000" pitchFamily="50" charset="-128"/>
+                <a:sym typeface="Wingdings" panose="05000000000000000000" pitchFamily="2" charset="2"/>
+              </a:rPr>
+              <a:t>(</a:t>
+            </a:r>
+            <a:r>
+              <a:rPr kumimoji="1" lang="ja-JP" altLang="en-US" sz="1600" dirty="0">
+                <a:latin typeface="Yu Gothic UI" panose="020B0500000000000000" pitchFamily="50" charset="-128"/>
+                <a:ea typeface="Yu Gothic UI" panose="020B0500000000000000" pitchFamily="50" charset="-128"/>
+                <a:sym typeface="Wingdings" panose="05000000000000000000" pitchFamily="2" charset="2"/>
+              </a:rPr>
+              <a:t>コンテキスト</a:t>
+            </a:r>
+            <a:r>
+              <a:rPr kumimoji="1" lang="en-US" altLang="ja-JP" sz="1600" dirty="0">
+                <a:latin typeface="Yu Gothic UI" panose="020B0500000000000000" pitchFamily="50" charset="-128"/>
+                <a:ea typeface="Yu Gothic UI" panose="020B0500000000000000" pitchFamily="50" charset="-128"/>
+                <a:sym typeface="Wingdings" panose="05000000000000000000" pitchFamily="2" charset="2"/>
+              </a:rPr>
+              <a:t>)</a:t>
+            </a:r>
+            <a:r>
+              <a:rPr kumimoji="1" lang="ja-JP" altLang="en-US" sz="1600" dirty="0">
+                <a:latin typeface="Yu Gothic UI" panose="020B0500000000000000" pitchFamily="50" charset="-128"/>
+                <a:ea typeface="Yu Gothic UI" panose="020B0500000000000000" pitchFamily="50" charset="-128"/>
+                <a:sym typeface="Wingdings" panose="05000000000000000000" pitchFamily="2" charset="2"/>
+              </a:rPr>
+              <a:t>として与えないと、</a:t>
+            </a:r>
+            <a:br>
+              <a:rPr kumimoji="1" lang="en-US" altLang="ja-JP" sz="1600" dirty="0">
+                <a:latin typeface="Yu Gothic UI" panose="020B0500000000000000" pitchFamily="50" charset="-128"/>
+                <a:ea typeface="Yu Gothic UI" panose="020B0500000000000000" pitchFamily="50" charset="-128"/>
+                <a:sym typeface="Wingdings" panose="05000000000000000000" pitchFamily="2" charset="2"/>
+              </a:rPr>
+            </a:br>
+            <a:r>
+              <a:rPr kumimoji="1" lang="en-US" altLang="ja-JP" sz="1600" dirty="0">
+                <a:latin typeface="Yu Gothic UI" panose="020B0500000000000000" pitchFamily="50" charset="-128"/>
+                <a:ea typeface="Yu Gothic UI" panose="020B0500000000000000" pitchFamily="50" charset="-128"/>
+                <a:sym typeface="Wingdings" panose="05000000000000000000" pitchFamily="2" charset="2"/>
+              </a:rPr>
+              <a:t>LLM </a:t>
+            </a:r>
+            <a:r>
+              <a:rPr lang="ja-JP" altLang="en-US" sz="1600" dirty="0">
+                <a:latin typeface="Yu Gothic UI" panose="020B0500000000000000" pitchFamily="50" charset="-128"/>
+                <a:ea typeface="Yu Gothic UI" panose="020B0500000000000000" pitchFamily="50" charset="-128"/>
+                <a:sym typeface="Wingdings" panose="05000000000000000000" pitchFamily="2" charset="2"/>
+              </a:rPr>
+              <a:t>の推論は揺らぎやすい</a:t>
+            </a:r>
+            <a:endParaRPr lang="en-US" altLang="ja-JP" sz="1600" dirty="0">
+              <a:latin typeface="Yu Gothic UI" panose="020B0500000000000000" pitchFamily="50" charset="-128"/>
+              <a:ea typeface="Yu Gothic UI" panose="020B0500000000000000" pitchFamily="50" charset="-128"/>
+              <a:sym typeface="Wingdings" panose="05000000000000000000" pitchFamily="2" charset="2"/>
+            </a:endParaRPr>
+          </a:p>
+        </p:txBody>
+      </p:sp>
+    </p:spTree>
+    <p:extLst>
+      <p:ext uri="{BB962C8B-B14F-4D97-AF65-F5344CB8AC3E}">
+        <p14:creationId xmlns:p14="http://schemas.microsoft.com/office/powerpoint/2010/main" val="200964267"/>
+      </p:ext>
+    </p:extLst>
+  </p:cSld>
+  <p:clrMapOvr>
+    <a:masterClrMapping/>
+  </p:clrMapOvr>
+</p:sld>
+</file>
+
+<file path=ppt/slides/slide3.xml><?xml version="1.0" encoding="utf-8"?>
+<p:sld xmlns:a="http://schemas.openxmlformats.org/drawingml/2006/main" xmlns:r="http://schemas.openxmlformats.org/officeDocument/2006/relationships" xmlns:p="http://schemas.openxmlformats.org/presentationml/2006/main">
+  <p:cSld>
+    <p:spTree>
+      <p:nvGrpSpPr>
+        <p:cNvPr id="1" name=""/>
+        <p:cNvGrpSpPr/>
+        <p:nvPr/>
+      </p:nvGrpSpPr>
+      <p:grpSpPr>
+        <a:xfrm>
+          <a:off x="0" y="0"/>
+          <a:ext cx="0" cy="0"/>
+          <a:chOff x="0" y="0"/>
+          <a:chExt cx="0" cy="0"/>
+        </a:xfrm>
+      </p:grpSpPr>
+      <p:sp>
+        <p:nvSpPr>
+          <p:cNvPr id="2" name="タイトル 1">
+            <a:extLst>
+              <a:ext uri="{FF2B5EF4-FFF2-40B4-BE49-F238E27FC236}">
                 <a16:creationId xmlns:a16="http://schemas.microsoft.com/office/drawing/2014/main" id="{6BC7E24E-24CD-6B7F-1F7C-64252930EBF7}"/>
               </a:ext>
             </a:extLst>
@@ -10131,7 +12727,7 @@
         <p:spPr>
           <a:xfrm>
             <a:off x="285709" y="5044908"/>
-            <a:ext cx="11620581" cy="1167183"/>
+            <a:ext cx="11620581" cy="1498767"/>
           </a:xfrm>
           <a:prstGeom prst="rect">
             <a:avLst/>
@@ -10326,6 +12922,26 @@
             <a:r>
               <a:rPr lang="ja-JP" altLang="en-US" dirty="0"/>
               <a:t>シートごとに抽出したい情報（抽出できる情報）が異なるが、同じフォーマットで抽出を行っている</a:t>
+            </a:r>
+            <a:endParaRPr lang="en-US" altLang="ja-JP" dirty="0"/>
+          </a:p>
+          <a:p>
+            <a:pPr lvl="1" fontAlgn="auto">
+              <a:spcAft>
+                <a:spcPts val="0"/>
+              </a:spcAft>
+            </a:pPr>
+            <a:r>
+              <a:rPr lang="ja-JP" altLang="en-US" dirty="0"/>
+              <a:t>抽出時の抽象度のレベルを</a:t>
+            </a:r>
+            <a:r>
+              <a:rPr lang="en-US" altLang="ja-JP" dirty="0"/>
+              <a:t>LLM</a:t>
+            </a:r>
+            <a:r>
+              <a:rPr lang="ja-JP" altLang="en-US" dirty="0"/>
+              <a:t>が推測している</a:t>
             </a:r>
             <a:endParaRPr lang="en-US" altLang="ja-JP" dirty="0"/>
           </a:p>
@@ -10572,7 +13188,7 @@
 </p:sld>
 </file>
 
-<file path=ppt/slides/slide2.xml><?xml version="1.0" encoding="utf-8"?>
+<file path=ppt/slides/slide4.xml><?xml version="1.0" encoding="utf-8"?>
 <p:sld xmlns:a="http://schemas.openxmlformats.org/drawingml/2006/main" xmlns:r="http://schemas.openxmlformats.org/officeDocument/2006/relationships" xmlns:p="http://schemas.openxmlformats.org/presentationml/2006/main">
   <p:cSld>
     <p:spTree>
@@ -12520,6 +15136,51 @@
             </a:endParaRPr>
           </a:p>
           <a:p>
+            <a:r>
+              <a:rPr lang="ja-JP" altLang="en-US" sz="1050" dirty="0">
+                <a:solidFill>
+                  <a:schemeClr val="tx1"/>
+                </a:solidFill>
+              </a:rPr>
+              <a:t>　・新しい書き方？</a:t>
+            </a:r>
+            <a:endParaRPr lang="en-US" altLang="ja-JP" sz="1050" dirty="0">
+              <a:solidFill>
+                <a:schemeClr val="tx1"/>
+              </a:solidFill>
+            </a:endParaRPr>
+          </a:p>
+          <a:p>
+            <a:r>
+              <a:rPr kumimoji="1" lang="ja-JP" altLang="en-US" sz="1050" b="0" dirty="0">
+                <a:solidFill>
+                  <a:schemeClr val="tx1"/>
+                </a:solidFill>
+              </a:rPr>
+              <a:t>　・古い書き方はどんな感じか</a:t>
+            </a:r>
+            <a:endParaRPr kumimoji="1" lang="en-US" altLang="ja-JP" sz="1050" b="0" dirty="0">
+              <a:solidFill>
+                <a:schemeClr val="tx1"/>
+              </a:solidFill>
+            </a:endParaRPr>
+          </a:p>
+          <a:p>
+            <a:r>
+              <a:rPr lang="ja-JP" altLang="en-US" sz="1050" dirty="0">
+                <a:solidFill>
+                  <a:schemeClr val="tx1"/>
+                </a:solidFill>
+              </a:rPr>
+              <a:t>　・</a:t>
+            </a:r>
+            <a:endParaRPr kumimoji="1" lang="en-US" altLang="ja-JP" sz="1050" b="0" dirty="0">
+              <a:solidFill>
+                <a:schemeClr val="tx1"/>
+              </a:solidFill>
+            </a:endParaRPr>
+          </a:p>
+          <a:p>
             <a:endParaRPr lang="en-US" altLang="ja-JP" sz="1050" dirty="0">
               <a:solidFill>
                 <a:schemeClr val="tx1"/>
@@ -12548,7 +15209,7 @@
 </p:sld>
 </file>
 
-<file path=ppt/slides/slide3.xml><?xml version="1.0" encoding="utf-8"?>
+<file path=ppt/slides/slide5.xml><?xml version="1.0" encoding="utf-8"?>
 <p:sld xmlns:a="http://schemas.openxmlformats.org/drawingml/2006/main" xmlns:r="http://schemas.openxmlformats.org/officeDocument/2006/relationships" xmlns:p="http://schemas.openxmlformats.org/presentationml/2006/main">
   <p:cSld>
     <p:spTree>
